--- a/avlsi/resources/SetCovering.pptx
+++ b/avlsi/resources/SetCovering.pptx
@@ -5,10 +5,10 @@
     <p:sldMasterId id="2147483648" r:id="rId1"/>
   </p:sldMasterIdLst>
   <p:notesMasterIdLst>
-    <p:notesMasterId r:id="rId11"/>
+    <p:notesMasterId r:id="rId10"/>
   </p:notesMasterIdLst>
   <p:handoutMasterIdLst>
-    <p:handoutMasterId r:id="rId12"/>
+    <p:handoutMasterId r:id="rId11"/>
   </p:handoutMasterIdLst>
   <p:sldIdLst>
     <p:sldId id="607" r:id="rId2"/>
@@ -18,8 +18,7 @@
     <p:sldId id="616" r:id="rId6"/>
     <p:sldId id="617" r:id="rId7"/>
     <p:sldId id="618" r:id="rId8"/>
-    <p:sldId id="619" r:id="rId9"/>
-    <p:sldId id="620" r:id="rId10"/>
+    <p:sldId id="621" r:id="rId9"/>
   </p:sldIdLst>
   <p:sldSz cx="9144000" cy="6858000" type="screen4x3"/>
   <p:notesSz cx="7315200" cy="9601200"/>
@@ -219,7 +218,7 @@
           <a:p>
             <a:fld id="{847A9C85-7208-4140-9A1B-482E74B6EC70}" type="datetimeFigureOut">
               <a:rPr lang="en-US" smtClean="0"/>
-              <a:t>10/22/2020</a:t>
+              <a:t>10/23/2020</a:t>
             </a:fld>
             <a:endParaRPr lang="en-US"/>
           </a:p>
@@ -379,7 +378,7 @@
           <a:p>
             <a:fld id="{9EAA3D3F-CA47-4B9D-B6BA-678D85410C0A}" type="datetimeFigureOut">
               <a:rPr lang="en-US" smtClean="0"/>
-              <a:t>10/22/2020</a:t>
+              <a:t>10/23/2020</a:t>
             </a:fld>
             <a:endParaRPr lang="en-US"/>
           </a:p>
@@ -8545,7 +8544,7 @@
           <p:nvPr>
             <p:extLst>
               <p:ext uri="{D42A27DB-BD31-4B8C-83A1-F6EECF244321}">
-                <p14:modId xmlns:p14="http://schemas.microsoft.com/office/powerpoint/2010/main" val="2259926004"/>
+                <p14:modId xmlns:p14="http://schemas.microsoft.com/office/powerpoint/2010/main" val="2357532076"/>
               </p:ext>
             </p:extLst>
           </p:nvPr>
@@ -9726,6 +9725,10 @@
                     <a:lstStyle/>
                     <a:p>
                       <a:pPr algn="ctr"/>
+                      <a:r>
+                        <a:rPr lang="en-US" sz="2400" dirty="0" smtClean="0"/>
+                        <a:t>1</a:t>
+                      </a:r>
                       <a:endParaRPr lang="en-US" sz="2400" dirty="0"/>
                     </a:p>
                   </a:txBody>
@@ -16637,6 +16640,126 @@
           <a:chExt cx="0" cy="0"/>
         </a:xfrm>
       </p:grpSpPr>
+      <p:sp>
+        <p:nvSpPr>
+          <p:cNvPr id="80" name="Freeform 79"/>
+          <p:cNvSpPr/>
+          <p:nvPr/>
+        </p:nvSpPr>
+        <p:spPr>
+          <a:xfrm>
+            <a:off x="4428344" y="4129791"/>
+            <a:ext cx="1514006" cy="1514008"/>
+          </a:xfrm>
+          <a:custGeom>
+            <a:avLst/>
+            <a:gdLst>
+              <a:gd name="connsiteX0" fmla="*/ 1236688 w 1491521"/>
+              <a:gd name="connsiteY0" fmla="*/ 0 h 1514007"/>
+              <a:gd name="connsiteX1" fmla="*/ 0 w 1491521"/>
+              <a:gd name="connsiteY1" fmla="*/ 1056807 h 1514007"/>
+              <a:gd name="connsiteX2" fmla="*/ 7495 w 1491521"/>
+              <a:gd name="connsiteY2" fmla="*/ 1514007 h 1514007"/>
+              <a:gd name="connsiteX3" fmla="*/ 1469036 w 1491521"/>
+              <a:gd name="connsiteY3" fmla="*/ 1499017 h 1514007"/>
+              <a:gd name="connsiteX4" fmla="*/ 1491521 w 1491521"/>
+              <a:gd name="connsiteY4" fmla="*/ 142407 h 1514007"/>
+              <a:gd name="connsiteX5" fmla="*/ 1236688 w 1491521"/>
+              <a:gd name="connsiteY5" fmla="*/ 0 h 1514007"/>
+              <a:gd name="connsiteX0" fmla="*/ 1236688 w 1514006"/>
+              <a:gd name="connsiteY0" fmla="*/ 0 h 1514008"/>
+              <a:gd name="connsiteX1" fmla="*/ 0 w 1514006"/>
+              <a:gd name="connsiteY1" fmla="*/ 1056807 h 1514008"/>
+              <a:gd name="connsiteX2" fmla="*/ 7495 w 1514006"/>
+              <a:gd name="connsiteY2" fmla="*/ 1514007 h 1514008"/>
+              <a:gd name="connsiteX3" fmla="*/ 1514006 w 1514006"/>
+              <a:gd name="connsiteY3" fmla="*/ 1514008 h 1514008"/>
+              <a:gd name="connsiteX4" fmla="*/ 1491521 w 1514006"/>
+              <a:gd name="connsiteY4" fmla="*/ 142407 h 1514008"/>
+              <a:gd name="connsiteX5" fmla="*/ 1236688 w 1514006"/>
+              <a:gd name="connsiteY5" fmla="*/ 0 h 1514008"/>
+            </a:gdLst>
+            <a:ahLst/>
+            <a:cxnLst>
+              <a:cxn ang="0">
+                <a:pos x="connsiteX0" y="connsiteY0"/>
+              </a:cxn>
+              <a:cxn ang="0">
+                <a:pos x="connsiteX1" y="connsiteY1"/>
+              </a:cxn>
+              <a:cxn ang="0">
+                <a:pos x="connsiteX2" y="connsiteY2"/>
+              </a:cxn>
+              <a:cxn ang="0">
+                <a:pos x="connsiteX3" y="connsiteY3"/>
+              </a:cxn>
+              <a:cxn ang="0">
+                <a:pos x="connsiteX4" y="connsiteY4"/>
+              </a:cxn>
+              <a:cxn ang="0">
+                <a:pos x="connsiteX5" y="connsiteY5"/>
+              </a:cxn>
+            </a:cxnLst>
+            <a:rect l="l" t="t" r="r" b="b"/>
+            <a:pathLst>
+              <a:path w="1514006" h="1514008">
+                <a:moveTo>
+                  <a:pt x="1236688" y="0"/>
+                </a:moveTo>
+                <a:lnTo>
+                  <a:pt x="0" y="1056807"/>
+                </a:lnTo>
+                <a:lnTo>
+                  <a:pt x="7495" y="1514007"/>
+                </a:lnTo>
+                <a:lnTo>
+                  <a:pt x="1514006" y="1514008"/>
+                </a:lnTo>
+                <a:lnTo>
+                  <a:pt x="1491521" y="142407"/>
+                </a:lnTo>
+                <a:lnTo>
+                  <a:pt x="1236688" y="0"/>
+                </a:lnTo>
+                <a:close/>
+              </a:path>
+            </a:pathLst>
+          </a:custGeom>
+          <a:solidFill>
+            <a:schemeClr val="tx2">
+              <a:lumMod val="20000"/>
+              <a:lumOff val="80000"/>
+            </a:schemeClr>
+          </a:solidFill>
+          <a:ln>
+            <a:noFill/>
+          </a:ln>
+        </p:spPr>
+        <p:style>
+          <a:lnRef idx="2">
+            <a:schemeClr val="accent1">
+              <a:shade val="50000"/>
+            </a:schemeClr>
+          </a:lnRef>
+          <a:fillRef idx="1">
+            <a:schemeClr val="accent1"/>
+          </a:fillRef>
+          <a:effectRef idx="0">
+            <a:schemeClr val="accent1"/>
+          </a:effectRef>
+          <a:fontRef idx="minor">
+            <a:schemeClr val="lt1"/>
+          </a:fontRef>
+        </p:style>
+        <p:txBody>
+          <a:bodyPr rtlCol="0" anchor="ctr"/>
+          <a:lstStyle/>
+          <a:p>
+            <a:pPr algn="ctr"/>
+            <a:endParaRPr lang="en-US"/>
+          </a:p>
+        </p:txBody>
+      </p:sp>
       <p:sp>
         <p:nvSpPr>
           <p:cNvPr id="2" name="Date Placeholder 1"/>
@@ -17984,13 +18107,13 @@
           <p:nvPr>
             <p:extLst>
               <p:ext uri="{D42A27DB-BD31-4B8C-83A1-F6EECF244321}">
-                <p14:modId xmlns:p14="http://schemas.microsoft.com/office/powerpoint/2010/main" val="1346723385"/>
+                <p14:modId xmlns:p14="http://schemas.microsoft.com/office/powerpoint/2010/main" val="653047703"/>
               </p:ext>
             </p:extLst>
           </p:nvPr>
         </p:nvGraphicFramePr>
         <p:xfrm>
-          <a:off x="5753100" y="3352800"/>
+          <a:off x="6400800" y="3352800"/>
           <a:ext cx="2286000" cy="2286000"/>
         </p:xfrm>
         <a:graphic>
@@ -18328,7 +18451,7 @@
         </p:nvGrpSpPr>
         <p:grpSpPr>
           <a:xfrm>
-            <a:off x="4501244" y="2814697"/>
+            <a:off x="5153397" y="2814697"/>
             <a:ext cx="3381003" cy="2747903"/>
             <a:chOff x="4501244" y="2814697"/>
             <a:chExt cx="3381003" cy="2747903"/>
@@ -19248,10 +19371,710 @@
           </a:p>
         </p:txBody>
       </p:sp>
+      <p:grpSp>
+        <p:nvGrpSpPr>
+          <p:cNvPr id="58" name="Group 57"/>
+          <p:cNvGrpSpPr/>
+          <p:nvPr/>
+        </p:nvGrpSpPr>
+        <p:grpSpPr>
+          <a:xfrm>
+            <a:off x="4495800" y="3561002"/>
+            <a:ext cx="1371600" cy="1992442"/>
+            <a:chOff x="7620000" y="3570158"/>
+            <a:chExt cx="1371600" cy="1992442"/>
+          </a:xfrm>
+        </p:grpSpPr>
+        <p:sp>
+          <p:nvSpPr>
+            <p:cNvPr id="59" name="Oval 58"/>
+            <p:cNvSpPr/>
+            <p:nvPr/>
+          </p:nvSpPr>
+          <p:spPr>
+            <a:xfrm>
+              <a:off x="8077200" y="3570158"/>
+              <a:ext cx="381000" cy="381000"/>
+            </a:xfrm>
+            <a:prstGeom prst="ellipse">
+              <a:avLst/>
+            </a:prstGeom>
+            <a:solidFill>
+              <a:schemeClr val="bg1"/>
+            </a:solidFill>
+            <a:ln>
+              <a:solidFill>
+                <a:schemeClr val="tx1"/>
+              </a:solidFill>
+            </a:ln>
+          </p:spPr>
+          <p:style>
+            <a:lnRef idx="2">
+              <a:schemeClr val="accent1">
+                <a:shade val="50000"/>
+              </a:schemeClr>
+            </a:lnRef>
+            <a:fillRef idx="1">
+              <a:schemeClr val="accent1"/>
+            </a:fillRef>
+            <a:effectRef idx="0">
+              <a:schemeClr val="accent1"/>
+            </a:effectRef>
+            <a:fontRef idx="minor">
+              <a:schemeClr val="lt1"/>
+            </a:fontRef>
+          </p:style>
+          <p:txBody>
+            <a:bodyPr rtlCol="0" anchor="ctr"/>
+            <a:lstStyle/>
+            <a:p>
+              <a:pPr algn="ctr"/>
+              <a:r>
+                <a:rPr lang="en-US" dirty="0" smtClean="0">
+                  <a:solidFill>
+                    <a:schemeClr val="tx1"/>
+                  </a:solidFill>
+                </a:rPr>
+                <a:t>1</a:t>
+              </a:r>
+              <a:endParaRPr lang="en-US" dirty="0">
+                <a:solidFill>
+                  <a:schemeClr val="tx1"/>
+                </a:solidFill>
+              </a:endParaRPr>
+            </a:p>
+          </p:txBody>
+        </p:sp>
+        <p:sp>
+          <p:nvSpPr>
+            <p:cNvPr id="66" name="Oval 65"/>
+            <p:cNvSpPr/>
+            <p:nvPr/>
+          </p:nvSpPr>
+          <p:spPr>
+            <a:xfrm>
+              <a:off x="7620000" y="4293958"/>
+              <a:ext cx="381000" cy="381000"/>
+            </a:xfrm>
+            <a:prstGeom prst="ellipse">
+              <a:avLst/>
+            </a:prstGeom>
+            <a:solidFill>
+              <a:schemeClr val="bg1"/>
+            </a:solidFill>
+            <a:ln>
+              <a:solidFill>
+                <a:schemeClr val="tx1"/>
+              </a:solidFill>
+            </a:ln>
+          </p:spPr>
+          <p:style>
+            <a:lnRef idx="2">
+              <a:schemeClr val="accent1">
+                <a:shade val="50000"/>
+              </a:schemeClr>
+            </a:lnRef>
+            <a:fillRef idx="1">
+              <a:schemeClr val="accent1"/>
+            </a:fillRef>
+            <a:effectRef idx="0">
+              <a:schemeClr val="accent1"/>
+            </a:effectRef>
+            <a:fontRef idx="minor">
+              <a:schemeClr val="lt1"/>
+            </a:fontRef>
+          </p:style>
+          <p:txBody>
+            <a:bodyPr rtlCol="0" anchor="ctr"/>
+            <a:lstStyle/>
+            <a:p>
+              <a:pPr algn="ctr"/>
+              <a:r>
+                <a:rPr lang="en-US" dirty="0">
+                  <a:solidFill>
+                    <a:schemeClr val="tx1"/>
+                  </a:solidFill>
+                </a:rPr>
+                <a:t>4</a:t>
+              </a:r>
+            </a:p>
+          </p:txBody>
+        </p:sp>
+        <p:sp>
+          <p:nvSpPr>
+            <p:cNvPr id="70" name="Oval 69"/>
+            <p:cNvSpPr/>
+            <p:nvPr/>
+          </p:nvSpPr>
+          <p:spPr>
+            <a:xfrm>
+              <a:off x="7620000" y="5178033"/>
+              <a:ext cx="381000" cy="381000"/>
+            </a:xfrm>
+            <a:prstGeom prst="ellipse">
+              <a:avLst/>
+            </a:prstGeom>
+            <a:solidFill>
+              <a:schemeClr val="bg1"/>
+            </a:solidFill>
+            <a:ln>
+              <a:solidFill>
+                <a:schemeClr val="tx1"/>
+              </a:solidFill>
+            </a:ln>
+          </p:spPr>
+          <p:style>
+            <a:lnRef idx="2">
+              <a:schemeClr val="accent1">
+                <a:shade val="50000"/>
+              </a:schemeClr>
+            </a:lnRef>
+            <a:fillRef idx="1">
+              <a:schemeClr val="accent1"/>
+            </a:fillRef>
+            <a:effectRef idx="0">
+              <a:schemeClr val="accent1"/>
+            </a:effectRef>
+            <a:fontRef idx="minor">
+              <a:schemeClr val="lt1"/>
+            </a:fontRef>
+          </p:style>
+          <p:txBody>
+            <a:bodyPr rtlCol="0" anchor="ctr"/>
+            <a:lstStyle/>
+            <a:p>
+              <a:pPr algn="ctr"/>
+              <a:r>
+                <a:rPr lang="en-US" dirty="0" smtClean="0">
+                  <a:solidFill>
+                    <a:schemeClr val="tx1"/>
+                  </a:solidFill>
+                </a:rPr>
+                <a:t>3</a:t>
+              </a:r>
+              <a:endParaRPr lang="en-US" dirty="0">
+                <a:solidFill>
+                  <a:schemeClr val="tx1"/>
+                </a:solidFill>
+              </a:endParaRPr>
+            </a:p>
+          </p:txBody>
+        </p:sp>
+        <p:sp>
+          <p:nvSpPr>
+            <p:cNvPr id="71" name="Oval 70"/>
+            <p:cNvSpPr/>
+            <p:nvPr/>
+          </p:nvSpPr>
+          <p:spPr>
+            <a:xfrm>
+              <a:off x="8610600" y="4288124"/>
+              <a:ext cx="381000" cy="381000"/>
+            </a:xfrm>
+            <a:prstGeom prst="ellipse">
+              <a:avLst/>
+            </a:prstGeom>
+            <a:solidFill>
+              <a:schemeClr val="bg1"/>
+            </a:solidFill>
+            <a:ln>
+              <a:solidFill>
+                <a:schemeClr val="tx1"/>
+              </a:solidFill>
+            </a:ln>
+          </p:spPr>
+          <p:style>
+            <a:lnRef idx="2">
+              <a:schemeClr val="accent1">
+                <a:shade val="50000"/>
+              </a:schemeClr>
+            </a:lnRef>
+            <a:fillRef idx="1">
+              <a:schemeClr val="accent1"/>
+            </a:fillRef>
+            <a:effectRef idx="0">
+              <a:schemeClr val="accent1"/>
+            </a:effectRef>
+            <a:fontRef idx="minor">
+              <a:schemeClr val="lt1"/>
+            </a:fontRef>
+          </p:style>
+          <p:txBody>
+            <a:bodyPr rtlCol="0" anchor="ctr"/>
+            <a:lstStyle/>
+            <a:p>
+              <a:pPr algn="ctr"/>
+              <a:r>
+                <a:rPr lang="en-US" dirty="0" smtClean="0">
+                  <a:solidFill>
+                    <a:schemeClr val="tx1"/>
+                  </a:solidFill>
+                </a:rPr>
+                <a:t>8</a:t>
+              </a:r>
+              <a:endParaRPr lang="en-US" dirty="0">
+                <a:solidFill>
+                  <a:schemeClr val="tx1"/>
+                </a:solidFill>
+              </a:endParaRPr>
+            </a:p>
+          </p:txBody>
+        </p:sp>
+        <p:sp>
+          <p:nvSpPr>
+            <p:cNvPr id="72" name="Oval 71"/>
+            <p:cNvSpPr/>
+            <p:nvPr/>
+          </p:nvSpPr>
+          <p:spPr>
+            <a:xfrm>
+              <a:off x="8610600" y="5181600"/>
+              <a:ext cx="381000" cy="381000"/>
+            </a:xfrm>
+            <a:prstGeom prst="ellipse">
+              <a:avLst/>
+            </a:prstGeom>
+            <a:solidFill>
+              <a:schemeClr val="bg1"/>
+            </a:solidFill>
+            <a:ln>
+              <a:solidFill>
+                <a:schemeClr val="tx1"/>
+              </a:solidFill>
+            </a:ln>
+          </p:spPr>
+          <p:style>
+            <a:lnRef idx="2">
+              <a:schemeClr val="accent1">
+                <a:shade val="50000"/>
+              </a:schemeClr>
+            </a:lnRef>
+            <a:fillRef idx="1">
+              <a:schemeClr val="accent1"/>
+            </a:fillRef>
+            <a:effectRef idx="0">
+              <a:schemeClr val="accent1"/>
+            </a:effectRef>
+            <a:fontRef idx="minor">
+              <a:schemeClr val="lt1"/>
+            </a:fontRef>
+          </p:style>
+          <p:txBody>
+            <a:bodyPr rtlCol="0" anchor="ctr"/>
+            <a:lstStyle/>
+            <a:p>
+              <a:pPr algn="ctr"/>
+              <a:r>
+                <a:rPr lang="en-US" dirty="0">
+                  <a:solidFill>
+                    <a:schemeClr val="tx1"/>
+                  </a:solidFill>
+                </a:rPr>
+                <a:t>9</a:t>
+              </a:r>
+            </a:p>
+          </p:txBody>
+        </p:sp>
+        <p:cxnSp>
+          <p:nvCxnSpPr>
+            <p:cNvPr id="73" name="Straight Connector 72"/>
+            <p:cNvCxnSpPr>
+              <a:stCxn id="59" idx="5"/>
+              <a:endCxn id="71" idx="0"/>
+            </p:cNvCxnSpPr>
+            <p:nvPr/>
+          </p:nvCxnSpPr>
+          <p:spPr>
+            <a:xfrm>
+              <a:off x="8402404" y="3895362"/>
+              <a:ext cx="398696" cy="392762"/>
+            </a:xfrm>
+            <a:prstGeom prst="line">
+              <a:avLst/>
+            </a:prstGeom>
+            <a:ln w="28575">
+              <a:solidFill>
+                <a:schemeClr val="tx1"/>
+              </a:solidFill>
+            </a:ln>
+          </p:spPr>
+          <p:style>
+            <a:lnRef idx="1">
+              <a:schemeClr val="accent1"/>
+            </a:lnRef>
+            <a:fillRef idx="0">
+              <a:schemeClr val="accent1"/>
+            </a:fillRef>
+            <a:effectRef idx="0">
+              <a:schemeClr val="accent1"/>
+            </a:effectRef>
+            <a:fontRef idx="minor">
+              <a:schemeClr val="tx1"/>
+            </a:fontRef>
+          </p:style>
+        </p:cxnSp>
+        <p:cxnSp>
+          <p:nvCxnSpPr>
+            <p:cNvPr id="74" name="Straight Connector 73"/>
+            <p:cNvCxnSpPr>
+              <a:stCxn id="70" idx="0"/>
+              <a:endCxn id="66" idx="4"/>
+            </p:cNvCxnSpPr>
+            <p:nvPr/>
+          </p:nvCxnSpPr>
+          <p:spPr>
+            <a:xfrm flipV="1">
+              <a:off x="7810500" y="4674958"/>
+              <a:ext cx="0" cy="503075"/>
+            </a:xfrm>
+            <a:prstGeom prst="line">
+              <a:avLst/>
+            </a:prstGeom>
+            <a:ln w="28575">
+              <a:solidFill>
+                <a:schemeClr val="tx1"/>
+              </a:solidFill>
+            </a:ln>
+          </p:spPr>
+          <p:style>
+            <a:lnRef idx="1">
+              <a:schemeClr val="accent1"/>
+            </a:lnRef>
+            <a:fillRef idx="0">
+              <a:schemeClr val="accent1"/>
+            </a:fillRef>
+            <a:effectRef idx="0">
+              <a:schemeClr val="accent1"/>
+            </a:effectRef>
+            <a:fontRef idx="minor">
+              <a:schemeClr val="tx1"/>
+            </a:fontRef>
+          </p:style>
+        </p:cxnSp>
+        <p:cxnSp>
+          <p:nvCxnSpPr>
+            <p:cNvPr id="75" name="Straight Connector 74"/>
+            <p:cNvCxnSpPr>
+              <a:stCxn id="66" idx="0"/>
+              <a:endCxn id="59" idx="3"/>
+            </p:cNvCxnSpPr>
+            <p:nvPr/>
+          </p:nvCxnSpPr>
+          <p:spPr>
+            <a:xfrm flipV="1">
+              <a:off x="7810500" y="3895362"/>
+              <a:ext cx="322496" cy="398596"/>
+            </a:xfrm>
+            <a:prstGeom prst="line">
+              <a:avLst/>
+            </a:prstGeom>
+            <a:ln w="28575">
+              <a:solidFill>
+                <a:schemeClr val="tx1"/>
+              </a:solidFill>
+            </a:ln>
+          </p:spPr>
+          <p:style>
+            <a:lnRef idx="1">
+              <a:schemeClr val="accent1"/>
+            </a:lnRef>
+            <a:fillRef idx="0">
+              <a:schemeClr val="accent1"/>
+            </a:fillRef>
+            <a:effectRef idx="0">
+              <a:schemeClr val="accent1"/>
+            </a:effectRef>
+            <a:fontRef idx="minor">
+              <a:schemeClr val="tx1"/>
+            </a:fontRef>
+          </p:style>
+        </p:cxnSp>
+        <p:cxnSp>
+          <p:nvCxnSpPr>
+            <p:cNvPr id="76" name="Straight Connector 75"/>
+            <p:cNvCxnSpPr>
+              <a:stCxn id="70" idx="6"/>
+              <a:endCxn id="72" idx="2"/>
+            </p:cNvCxnSpPr>
+            <p:nvPr/>
+          </p:nvCxnSpPr>
+          <p:spPr>
+            <a:xfrm>
+              <a:off x="8001000" y="5368533"/>
+              <a:ext cx="609600" cy="3567"/>
+            </a:xfrm>
+            <a:prstGeom prst="line">
+              <a:avLst/>
+            </a:prstGeom>
+            <a:ln w="28575">
+              <a:solidFill>
+                <a:schemeClr val="tx1"/>
+              </a:solidFill>
+            </a:ln>
+          </p:spPr>
+          <p:style>
+            <a:lnRef idx="1">
+              <a:schemeClr val="accent1"/>
+            </a:lnRef>
+            <a:fillRef idx="0">
+              <a:schemeClr val="accent1"/>
+            </a:fillRef>
+            <a:effectRef idx="0">
+              <a:schemeClr val="accent1"/>
+            </a:effectRef>
+            <a:fontRef idx="minor">
+              <a:schemeClr val="tx1"/>
+            </a:fontRef>
+          </p:style>
+        </p:cxnSp>
+        <p:cxnSp>
+          <p:nvCxnSpPr>
+            <p:cNvPr id="77" name="Straight Connector 76"/>
+            <p:cNvCxnSpPr>
+              <a:stCxn id="72" idx="0"/>
+              <a:endCxn id="71" idx="4"/>
+            </p:cNvCxnSpPr>
+            <p:nvPr/>
+          </p:nvCxnSpPr>
+          <p:spPr>
+            <a:xfrm flipV="1">
+              <a:off x="8801100" y="4669124"/>
+              <a:ext cx="0" cy="512476"/>
+            </a:xfrm>
+            <a:prstGeom prst="line">
+              <a:avLst/>
+            </a:prstGeom>
+            <a:ln w="28575">
+              <a:solidFill>
+                <a:schemeClr val="tx1"/>
+              </a:solidFill>
+            </a:ln>
+          </p:spPr>
+          <p:style>
+            <a:lnRef idx="1">
+              <a:schemeClr val="accent1"/>
+            </a:lnRef>
+            <a:fillRef idx="0">
+              <a:schemeClr val="accent1"/>
+            </a:fillRef>
+            <a:effectRef idx="0">
+              <a:schemeClr val="accent1"/>
+            </a:effectRef>
+            <a:fontRef idx="minor">
+              <a:schemeClr val="tx1"/>
+            </a:fontRef>
+          </p:style>
+        </p:cxnSp>
+        <p:cxnSp>
+          <p:nvCxnSpPr>
+            <p:cNvPr id="78" name="Straight Connector 77"/>
+            <p:cNvCxnSpPr>
+              <a:stCxn id="71" idx="3"/>
+              <a:endCxn id="70" idx="7"/>
+            </p:cNvCxnSpPr>
+            <p:nvPr/>
+          </p:nvCxnSpPr>
+          <p:spPr>
+            <a:xfrm flipH="1">
+              <a:off x="7945204" y="4613328"/>
+              <a:ext cx="721192" cy="620501"/>
+            </a:xfrm>
+            <a:prstGeom prst="line">
+              <a:avLst/>
+            </a:prstGeom>
+            <a:ln w="28575">
+              <a:solidFill>
+                <a:schemeClr val="tx1"/>
+              </a:solidFill>
+            </a:ln>
+          </p:spPr>
+          <p:style>
+            <a:lnRef idx="1">
+              <a:schemeClr val="accent1"/>
+            </a:lnRef>
+            <a:fillRef idx="0">
+              <a:schemeClr val="accent1"/>
+            </a:fillRef>
+            <a:effectRef idx="0">
+              <a:schemeClr val="accent1"/>
+            </a:effectRef>
+            <a:fontRef idx="minor">
+              <a:schemeClr val="tx1"/>
+            </a:fontRef>
+          </p:style>
+        </p:cxnSp>
+      </p:grpSp>
+      <mc:AlternateContent xmlns:mc="http://schemas.openxmlformats.org/markup-compatibility/2006">
+        <mc:Choice xmlns:a14="http://schemas.microsoft.com/office/drawing/2010/main" Requires="a14">
+          <p:sp>
+            <p:nvSpPr>
+              <p:cNvPr id="79" name="TextBox 78"/>
+              <p:cNvSpPr txBox="1"/>
+              <p:nvPr/>
+            </p:nvSpPr>
+            <p:spPr>
+              <a:xfrm>
+                <a:off x="7142981" y="5696505"/>
+                <a:ext cx="990015" cy="369332"/>
+              </a:xfrm>
+              <a:prstGeom prst="rect">
+                <a:avLst/>
+              </a:prstGeom>
+              <a:noFill/>
+            </p:spPr>
+            <p:txBody>
+              <a:bodyPr wrap="none" rtlCol="0">
+                <a:spAutoFit/>
+              </a:bodyPr>
+              <a:lstStyle/>
+              <a:p>
+                <a:r>
+                  <a:rPr lang="en-US" b="1" dirty="0" smtClean="0">
+                    <a:solidFill>
+                      <a:srgbClr val="C00000"/>
+                    </a:solidFill>
+                  </a:rPr>
+                  <a:t>Cost </a:t>
+                </a:r>
+                <a14:m>
+                  <m:oMath xmlns:m="http://schemas.openxmlformats.org/officeDocument/2006/math">
+                    <m:r>
+                      <a:rPr lang="en-US" b="1" i="1" smtClean="0">
+                        <a:solidFill>
+                          <a:srgbClr val="C00000"/>
+                        </a:solidFill>
+                        <a:latin typeface="Cambria Math" panose="02040503050406030204" pitchFamily="18" charset="0"/>
+                      </a:rPr>
+                      <m:t>≥</m:t>
+                    </m:r>
+                  </m:oMath>
+                </a14:m>
+                <a:r>
+                  <a:rPr lang="en-US" b="1" dirty="0" smtClean="0">
+                    <a:solidFill>
+                      <a:srgbClr val="C00000"/>
+                    </a:solidFill>
+                  </a:rPr>
+                  <a:t> 4</a:t>
+                </a:r>
+                <a:endParaRPr lang="en-US" b="1" dirty="0">
+                  <a:solidFill>
+                    <a:srgbClr val="C00000"/>
+                  </a:solidFill>
+                </a:endParaRPr>
+              </a:p>
+            </p:txBody>
+          </p:sp>
+        </mc:Choice>
+        <mc:Fallback>
+          <p:sp>
+            <p:nvSpPr>
+              <p:cNvPr id="79" name="TextBox 78"/>
+              <p:cNvSpPr txBox="1">
+                <a:spLocks noRot="1" noChangeAspect="1" noMove="1" noResize="1" noEditPoints="1" noAdjustHandles="1" noChangeArrowheads="1" noChangeShapeType="1" noTextEdit="1"/>
+              </p:cNvSpPr>
+              <p:nvPr/>
+            </p:nvSpPr>
+            <p:spPr>
+              <a:xfrm>
+                <a:off x="7142981" y="5696505"/>
+                <a:ext cx="990015" cy="369332"/>
+              </a:xfrm>
+              <a:prstGeom prst="rect">
+                <a:avLst/>
+              </a:prstGeom>
+              <a:blipFill>
+                <a:blip r:embed="rId2"/>
+                <a:stretch>
+                  <a:fillRect l="-5556" t="-8197" r="-4938" b="-24590"/>
+                </a:stretch>
+              </a:blipFill>
+            </p:spPr>
+            <p:txBody>
+              <a:bodyPr/>
+              <a:lstStyle/>
+              <a:p>
+                <a:r>
+                  <a:rPr lang="en-US">
+                    <a:noFill/>
+                  </a:rPr>
+                  <a:t> </a:t>
+                </a:r>
+              </a:p>
+            </p:txBody>
+          </p:sp>
+        </mc:Fallback>
+      </mc:AlternateContent>
+      <p:sp>
+        <p:nvSpPr>
+          <p:cNvPr id="81" name="Multiply 80"/>
+          <p:cNvSpPr/>
+          <p:nvPr/>
+        </p:nvSpPr>
+        <p:spPr>
+          <a:xfrm>
+            <a:off x="5958590" y="2930819"/>
+            <a:ext cx="3182704" cy="3163460"/>
+          </a:xfrm>
+          <a:prstGeom prst="mathMultiply">
+            <a:avLst>
+              <a:gd name="adj1" fmla="val 6307"/>
+            </a:avLst>
+          </a:prstGeom>
+          <a:solidFill>
+            <a:srgbClr val="FF0000"/>
+          </a:solidFill>
+          <a:ln>
+            <a:noFill/>
+          </a:ln>
+          <a:effectLst>
+            <a:outerShdw blurRad="44450" dist="27940" dir="5400000" algn="ctr">
+              <a:srgbClr val="000000">
+                <a:alpha val="32000"/>
+              </a:srgbClr>
+            </a:outerShdw>
+          </a:effectLst>
+          <a:scene3d>
+            <a:camera prst="orthographicFront">
+              <a:rot lat="0" lon="0" rev="0"/>
+            </a:camera>
+            <a:lightRig rig="balanced" dir="t">
+              <a:rot lat="0" lon="0" rev="8700000"/>
+            </a:lightRig>
+          </a:scene3d>
+          <a:sp3d>
+            <a:bevelT w="190500" h="38100"/>
+          </a:sp3d>
+        </p:spPr>
+        <p:style>
+          <a:lnRef idx="2">
+            <a:schemeClr val="accent1">
+              <a:shade val="50000"/>
+            </a:schemeClr>
+          </a:lnRef>
+          <a:fillRef idx="1">
+            <a:schemeClr val="accent1"/>
+          </a:fillRef>
+          <a:effectRef idx="0">
+            <a:schemeClr val="accent1"/>
+          </a:effectRef>
+          <a:fontRef idx="minor">
+            <a:schemeClr val="lt1"/>
+          </a:fontRef>
+        </p:style>
+        <p:txBody>
+          <a:bodyPr rtlCol="0" anchor="ctr"/>
+          <a:lstStyle/>
+          <a:p>
+            <a:pPr algn="ctr"/>
+            <a:endParaRPr lang="en-US"/>
+          </a:p>
+        </p:txBody>
+      </p:sp>
     </p:spTree>
     <p:extLst>
       <p:ext uri="{BB962C8B-B14F-4D97-AF65-F5344CB8AC3E}">
-        <p14:creationId xmlns:p14="http://schemas.microsoft.com/office/powerpoint/2010/main" val="2351030791"/>
+        <p14:creationId xmlns:p14="http://schemas.microsoft.com/office/powerpoint/2010/main" val="1472933739"/>
       </p:ext>
     </p:extLst>
   </p:cSld>
@@ -19616,2853 +20439,124 @@
                       </p:childTnLst>
                     </p:cTn>
                   </p:par>
-                </p:childTnLst>
-              </p:cTn>
-              <p:prevCondLst>
-                <p:cond evt="onPrev" delay="0">
-                  <p:tgtEl>
-                    <p:sldTgt/>
-                  </p:tgtEl>
-                </p:cond>
-              </p:prevCondLst>
-              <p:nextCondLst>
-                <p:cond evt="onNext" delay="0">
-                  <p:tgtEl>
-                    <p:sldTgt/>
-                  </p:tgtEl>
-                </p:cond>
-              </p:nextCondLst>
-            </p:seq>
-          </p:childTnLst>
-        </p:cTn>
-      </p:par>
-    </p:tnLst>
-    <p:bldLst>
-      <p:bldP spid="64" grpId="0"/>
-    </p:bldLst>
-  </p:timing>
-</p:sld>
-</file>
-
-<file path=ppt/slides/slide9.xml><?xml version="1.0" encoding="utf-8"?>
-<p:sld xmlns:a="http://schemas.openxmlformats.org/drawingml/2006/main" xmlns:r="http://schemas.openxmlformats.org/officeDocument/2006/relationships" xmlns:p="http://schemas.openxmlformats.org/presentationml/2006/main">
-  <p:cSld>
-    <p:spTree>
-      <p:nvGrpSpPr>
-        <p:cNvPr id="1" name=""/>
-        <p:cNvGrpSpPr/>
-        <p:nvPr/>
-      </p:nvGrpSpPr>
-      <p:grpSpPr>
-        <a:xfrm>
-          <a:off x="0" y="0"/>
-          <a:ext cx="0" cy="0"/>
-          <a:chOff x="0" y="0"/>
-          <a:chExt cx="0" cy="0"/>
-        </a:xfrm>
-      </p:grpSpPr>
-      <p:sp>
-        <p:nvSpPr>
-          <p:cNvPr id="2" name="Date Placeholder 1"/>
-          <p:cNvSpPr>
-            <a:spLocks noGrp="1"/>
-          </p:cNvSpPr>
-          <p:nvPr>
-            <p:ph type="dt" sz="half" idx="10"/>
-          </p:nvPr>
-        </p:nvSpPr>
-        <p:spPr/>
-        <p:txBody>
-          <a:bodyPr/>
-          <a:lstStyle/>
-          <a:p>
-            <a:r>
-              <a:rPr lang="en-US" smtClean="0"/>
-              <a:t>Set Covering</a:t>
-            </a:r>
-            <a:endParaRPr lang="en-US"/>
-          </a:p>
-        </p:txBody>
-      </p:sp>
-      <p:sp>
-        <p:nvSpPr>
-          <p:cNvPr id="3" name="Footer Placeholder 2"/>
-          <p:cNvSpPr>
-            <a:spLocks noGrp="1"/>
-          </p:cNvSpPr>
-          <p:nvPr>
-            <p:ph type="ftr" sz="quarter" idx="11"/>
-          </p:nvPr>
-        </p:nvSpPr>
-        <p:spPr/>
-        <p:txBody>
-          <a:bodyPr/>
-          <a:lstStyle/>
-          <a:p>
-            <a:r>
-              <a:rPr lang="en-US" smtClean="0"/>
-              <a:t>JC</a:t>
-            </a:r>
-            <a:endParaRPr lang="en-US"/>
-          </a:p>
-        </p:txBody>
-      </p:sp>
-      <p:sp>
-        <p:nvSpPr>
-          <p:cNvPr id="4" name="Slide Number Placeholder 3"/>
-          <p:cNvSpPr>
-            <a:spLocks noGrp="1"/>
-          </p:cNvSpPr>
-          <p:nvPr>
-            <p:ph type="sldNum" sz="quarter" idx="12"/>
-          </p:nvPr>
-        </p:nvSpPr>
-        <p:spPr/>
-        <p:txBody>
-          <a:bodyPr/>
-          <a:lstStyle/>
-          <a:p>
-            <a:fld id="{B6F15528-21DE-4FAA-801E-634DDDAF4B2B}" type="slidenum">
-              <a:rPr lang="en-US" smtClean="0"/>
-              <a:t>9</a:t>
-            </a:fld>
-            <a:endParaRPr lang="en-US"/>
-          </a:p>
-        </p:txBody>
-      </p:sp>
-      <p:graphicFrame>
-        <p:nvGraphicFramePr>
-          <p:cNvPr id="6" name="Table 5"/>
-          <p:cNvGraphicFramePr>
-            <a:graphicFrameLocks noGrp="1"/>
-          </p:cNvGraphicFramePr>
-          <p:nvPr>
-            <p:extLst>
-              <p:ext uri="{D42A27DB-BD31-4B8C-83A1-F6EECF244321}">
-                <p14:modId xmlns:p14="http://schemas.microsoft.com/office/powerpoint/2010/main" val="777656638"/>
-              </p:ext>
-            </p:extLst>
-          </p:nvPr>
-        </p:nvGraphicFramePr>
-        <p:xfrm>
-          <a:off x="3130065" y="475512"/>
-          <a:ext cx="2857500" cy="2286000"/>
-        </p:xfrm>
-        <a:graphic>
-          <a:graphicData uri="http://schemas.openxmlformats.org/drawingml/2006/table">
-            <a:tbl>
-              <a:tblPr firstRow="1" bandRow="1">
-                <a:tableStyleId>{5940675A-B579-460E-94D1-54222C63F5DA}</a:tableStyleId>
-              </a:tblPr>
-              <a:tblGrid>
-                <a:gridCol w="571500">
-                  <a:extLst>
-                    <a:ext uri="{9D8B030D-6E8A-4147-A177-3AD203B41FA5}">
-                      <a16:colId xmlns:a16="http://schemas.microsoft.com/office/drawing/2014/main" val="158516896"/>
-                    </a:ext>
-                  </a:extLst>
-                </a:gridCol>
-                <a:gridCol w="571500">
-                  <a:extLst>
-                    <a:ext uri="{9D8B030D-6E8A-4147-A177-3AD203B41FA5}">
-                      <a16:colId xmlns:a16="http://schemas.microsoft.com/office/drawing/2014/main" val="3269663166"/>
-                    </a:ext>
-                  </a:extLst>
-                </a:gridCol>
-                <a:gridCol w="571500">
-                  <a:extLst>
-                    <a:ext uri="{9D8B030D-6E8A-4147-A177-3AD203B41FA5}">
-                      <a16:colId xmlns:a16="http://schemas.microsoft.com/office/drawing/2014/main" val="1580642413"/>
-                    </a:ext>
-                  </a:extLst>
-                </a:gridCol>
-                <a:gridCol w="571500">
-                  <a:extLst>
-                    <a:ext uri="{9D8B030D-6E8A-4147-A177-3AD203B41FA5}">
-                      <a16:colId xmlns:a16="http://schemas.microsoft.com/office/drawing/2014/main" val="3799056658"/>
-                    </a:ext>
-                  </a:extLst>
-                </a:gridCol>
-                <a:gridCol w="571500">
-                  <a:extLst>
-                    <a:ext uri="{9D8B030D-6E8A-4147-A177-3AD203B41FA5}">
-                      <a16:colId xmlns:a16="http://schemas.microsoft.com/office/drawing/2014/main" val="4083893252"/>
-                    </a:ext>
-                  </a:extLst>
-                </a:gridCol>
-              </a:tblGrid>
-              <a:tr h="370840">
-                <a:tc>
-                  <a:txBody>
-                    <a:bodyPr/>
-                    <a:lstStyle/>
-                    <a:p>
-                      <a:pPr algn="ctr"/>
-                      <a:r>
-                        <a:rPr lang="en-US" sz="2400" dirty="0" smtClean="0"/>
-                        <a:t>1</a:t>
-                      </a:r>
-                      <a:endParaRPr lang="en-US" sz="2400" dirty="0"/>
-                    </a:p>
-                  </a:txBody>
-                  <a:tcPr/>
-                </a:tc>
-                <a:tc>
-                  <a:txBody>
-                    <a:bodyPr/>
-                    <a:lstStyle/>
-                    <a:p>
-                      <a:pPr algn="ctr"/>
-                      <a:r>
-                        <a:rPr lang="en-US" sz="2400" dirty="0" smtClean="0"/>
-                        <a:t>1</a:t>
-                      </a:r>
-                      <a:endParaRPr lang="en-US" sz="2400" dirty="0"/>
-                    </a:p>
-                  </a:txBody>
-                  <a:tcPr/>
-                </a:tc>
-                <a:tc>
-                  <a:txBody>
-                    <a:bodyPr/>
-                    <a:lstStyle/>
-                    <a:p>
-                      <a:pPr algn="ctr"/>
-                      <a:endParaRPr lang="en-US" sz="2400"/>
-                    </a:p>
-                  </a:txBody>
-                  <a:tcPr/>
-                </a:tc>
-                <a:tc>
-                  <a:txBody>
-                    <a:bodyPr/>
-                    <a:lstStyle/>
-                    <a:p>
-                      <a:pPr algn="ctr"/>
-                      <a:endParaRPr lang="en-US" sz="2400" dirty="0"/>
-                    </a:p>
-                  </a:txBody>
-                  <a:tcPr/>
-                </a:tc>
-                <a:tc>
-                  <a:txBody>
-                    <a:bodyPr/>
-                    <a:lstStyle/>
-                    <a:p>
-                      <a:pPr algn="ctr"/>
-                      <a:endParaRPr lang="en-US" sz="2400" dirty="0"/>
-                    </a:p>
-                  </a:txBody>
-                  <a:tcPr/>
-                </a:tc>
-                <a:extLst>
-                  <a:ext uri="{0D108BD9-81ED-4DB2-BD59-A6C34878D82A}">
-                    <a16:rowId xmlns:a16="http://schemas.microsoft.com/office/drawing/2014/main" val="1021727243"/>
-                  </a:ext>
-                </a:extLst>
-              </a:tr>
-              <a:tr h="370840">
-                <a:tc>
-                  <a:txBody>
-                    <a:bodyPr/>
-                    <a:lstStyle/>
-                    <a:p>
-                      <a:pPr algn="ctr"/>
-                      <a:r>
-                        <a:rPr lang="en-US" sz="2400" dirty="0" smtClean="0"/>
-                        <a:t>1</a:t>
-                      </a:r>
-                      <a:endParaRPr lang="en-US" sz="2400" dirty="0"/>
-                    </a:p>
-                  </a:txBody>
-                  <a:tcPr/>
-                </a:tc>
-                <a:tc>
-                  <a:txBody>
-                    <a:bodyPr/>
-                    <a:lstStyle/>
-                    <a:p>
-                      <a:pPr algn="ctr"/>
-                      <a:endParaRPr lang="en-US" sz="2400"/>
-                    </a:p>
-                  </a:txBody>
-                  <a:tcPr/>
-                </a:tc>
-                <a:tc>
-                  <a:txBody>
-                    <a:bodyPr/>
-                    <a:lstStyle/>
-                    <a:p>
-                      <a:pPr algn="ctr"/>
-                      <a:endParaRPr lang="en-US" sz="2400"/>
-                    </a:p>
-                  </a:txBody>
-                  <a:tcPr/>
-                </a:tc>
-                <a:tc>
-                  <a:txBody>
-                    <a:bodyPr/>
-                    <a:lstStyle/>
-                    <a:p>
-                      <a:pPr algn="ctr"/>
-                      <a:endParaRPr lang="en-US" sz="2400"/>
-                    </a:p>
-                  </a:txBody>
-                  <a:tcPr/>
-                </a:tc>
-                <a:tc>
-                  <a:txBody>
-                    <a:bodyPr/>
-                    <a:lstStyle/>
-                    <a:p>
-                      <a:pPr algn="ctr"/>
-                      <a:r>
-                        <a:rPr lang="en-US" sz="2400" dirty="0" smtClean="0"/>
-                        <a:t>1</a:t>
-                      </a:r>
-                      <a:endParaRPr lang="en-US" sz="2400" dirty="0"/>
-                    </a:p>
-                  </a:txBody>
-                  <a:tcPr/>
-                </a:tc>
-                <a:extLst>
-                  <a:ext uri="{0D108BD9-81ED-4DB2-BD59-A6C34878D82A}">
-                    <a16:rowId xmlns:a16="http://schemas.microsoft.com/office/drawing/2014/main" val="3317507107"/>
-                  </a:ext>
-                </a:extLst>
-              </a:tr>
-              <a:tr h="370840">
-                <a:tc>
-                  <a:txBody>
-                    <a:bodyPr/>
-                    <a:lstStyle/>
-                    <a:p>
-                      <a:pPr algn="ctr"/>
-                      <a:endParaRPr lang="en-US" sz="2400"/>
-                    </a:p>
-                  </a:txBody>
-                  <a:tcPr/>
-                </a:tc>
-                <a:tc>
-                  <a:txBody>
-                    <a:bodyPr/>
-                    <a:lstStyle/>
-                    <a:p>
-                      <a:pPr algn="ctr"/>
-                      <a:endParaRPr lang="en-US" sz="2400" dirty="0"/>
-                    </a:p>
-                  </a:txBody>
-                  <a:tcPr/>
-                </a:tc>
-                <a:tc>
-                  <a:txBody>
-                    <a:bodyPr/>
-                    <a:lstStyle/>
-                    <a:p>
-                      <a:pPr algn="ctr"/>
-                      <a:r>
-                        <a:rPr lang="en-US" sz="2400" dirty="0" smtClean="0"/>
-                        <a:t>1</a:t>
-                      </a:r>
-                      <a:endParaRPr lang="en-US" sz="2400" dirty="0"/>
-                    </a:p>
-                  </a:txBody>
-                  <a:tcPr/>
-                </a:tc>
-                <a:tc>
-                  <a:txBody>
-                    <a:bodyPr/>
-                    <a:lstStyle/>
-                    <a:p>
-                      <a:pPr algn="ctr"/>
-                      <a:r>
-                        <a:rPr lang="en-US" sz="2400" dirty="0" smtClean="0"/>
-                        <a:t>1</a:t>
-                      </a:r>
-                      <a:endParaRPr lang="en-US" sz="2400" dirty="0"/>
-                    </a:p>
-                  </a:txBody>
-                  <a:tcPr/>
-                </a:tc>
-                <a:tc>
-                  <a:txBody>
-                    <a:bodyPr/>
-                    <a:lstStyle/>
-                    <a:p>
-                      <a:pPr algn="ctr"/>
-                      <a:endParaRPr lang="en-US" sz="2400"/>
-                    </a:p>
-                  </a:txBody>
-                  <a:tcPr/>
-                </a:tc>
-                <a:extLst>
-                  <a:ext uri="{0D108BD9-81ED-4DB2-BD59-A6C34878D82A}">
-                    <a16:rowId xmlns:a16="http://schemas.microsoft.com/office/drawing/2014/main" val="2495999131"/>
-                  </a:ext>
-                </a:extLst>
-              </a:tr>
-              <a:tr h="370840">
-                <a:tc>
-                  <a:txBody>
-                    <a:bodyPr/>
-                    <a:lstStyle/>
-                    <a:p>
-                      <a:pPr algn="ctr"/>
-                      <a:endParaRPr lang="en-US" sz="2400" dirty="0"/>
-                    </a:p>
-                  </a:txBody>
-                  <a:tcPr/>
-                </a:tc>
-                <a:tc>
-                  <a:txBody>
-                    <a:bodyPr/>
-                    <a:lstStyle/>
-                    <a:p>
-                      <a:pPr algn="ctr"/>
-                      <a:endParaRPr lang="en-US" sz="2400"/>
-                    </a:p>
-                  </a:txBody>
-                  <a:tcPr/>
-                </a:tc>
-                <a:tc>
-                  <a:txBody>
-                    <a:bodyPr/>
-                    <a:lstStyle/>
-                    <a:p>
-                      <a:pPr algn="ctr"/>
-                      <a:r>
-                        <a:rPr lang="en-US" sz="2400" dirty="0" smtClean="0"/>
-                        <a:t>1</a:t>
-                      </a:r>
-                      <a:endParaRPr lang="en-US" sz="2400" dirty="0"/>
-                    </a:p>
-                  </a:txBody>
-                  <a:tcPr/>
-                </a:tc>
-                <a:tc>
-                  <a:txBody>
-                    <a:bodyPr/>
-                    <a:lstStyle/>
-                    <a:p>
-                      <a:pPr algn="ctr"/>
-                      <a:endParaRPr lang="en-US" sz="2400" dirty="0"/>
-                    </a:p>
-                  </a:txBody>
-                  <a:tcPr/>
-                </a:tc>
-                <a:tc>
-                  <a:txBody>
-                    <a:bodyPr/>
-                    <a:lstStyle/>
-                    <a:p>
-                      <a:pPr algn="ctr"/>
-                      <a:r>
-                        <a:rPr lang="en-US" sz="2400" dirty="0" smtClean="0"/>
-                        <a:t>1</a:t>
-                      </a:r>
-                      <a:endParaRPr lang="en-US" sz="2400" dirty="0"/>
-                    </a:p>
-                  </a:txBody>
-                  <a:tcPr/>
-                </a:tc>
-                <a:extLst>
-                  <a:ext uri="{0D108BD9-81ED-4DB2-BD59-A6C34878D82A}">
-                    <a16:rowId xmlns:a16="http://schemas.microsoft.com/office/drawing/2014/main" val="3902145513"/>
-                  </a:ext>
-                </a:extLst>
-              </a:tr>
-              <a:tr h="370840">
-                <a:tc>
-                  <a:txBody>
-                    <a:bodyPr/>
-                    <a:lstStyle/>
-                    <a:p>
-                      <a:pPr algn="ctr"/>
-                      <a:endParaRPr lang="en-US" sz="2400"/>
-                    </a:p>
-                  </a:txBody>
-                  <a:tcPr/>
-                </a:tc>
-                <a:tc>
-                  <a:txBody>
-                    <a:bodyPr/>
-                    <a:lstStyle/>
-                    <a:p>
-                      <a:pPr algn="ctr"/>
-                      <a:r>
-                        <a:rPr lang="en-US" sz="2400" dirty="0" smtClean="0"/>
-                        <a:t>1</a:t>
-                      </a:r>
-                      <a:endParaRPr lang="en-US" sz="2400" dirty="0"/>
-                    </a:p>
-                  </a:txBody>
-                  <a:tcPr/>
-                </a:tc>
-                <a:tc>
-                  <a:txBody>
-                    <a:bodyPr/>
-                    <a:lstStyle/>
-                    <a:p>
-                      <a:pPr algn="ctr"/>
-                      <a:endParaRPr lang="en-US" sz="2400"/>
-                    </a:p>
-                  </a:txBody>
-                  <a:tcPr/>
-                </a:tc>
-                <a:tc>
-                  <a:txBody>
-                    <a:bodyPr/>
-                    <a:lstStyle/>
-                    <a:p>
-                      <a:pPr algn="ctr"/>
-                      <a:r>
-                        <a:rPr lang="en-US" sz="2400" dirty="0" smtClean="0"/>
-                        <a:t>1</a:t>
-                      </a:r>
-                      <a:endParaRPr lang="en-US" sz="2400" dirty="0"/>
-                    </a:p>
-                  </a:txBody>
-                  <a:tcPr/>
-                </a:tc>
-                <a:tc>
-                  <a:txBody>
-                    <a:bodyPr/>
-                    <a:lstStyle/>
-                    <a:p>
-                      <a:pPr algn="ctr"/>
-                      <a:r>
-                        <a:rPr lang="en-US" sz="2400" dirty="0" smtClean="0"/>
-                        <a:t>1</a:t>
-                      </a:r>
-                      <a:endParaRPr lang="en-US" sz="2400" dirty="0"/>
-                    </a:p>
-                  </a:txBody>
-                  <a:tcPr/>
-                </a:tc>
-                <a:extLst>
-                  <a:ext uri="{0D108BD9-81ED-4DB2-BD59-A6C34878D82A}">
-                    <a16:rowId xmlns:a16="http://schemas.microsoft.com/office/drawing/2014/main" val="324534612"/>
-                  </a:ext>
-                </a:extLst>
-              </a:tr>
-            </a:tbl>
-          </a:graphicData>
-        </a:graphic>
-      </p:graphicFrame>
-      <p:sp>
-        <p:nvSpPr>
-          <p:cNvPr id="19" name="TextBox 18"/>
-          <p:cNvSpPr txBox="1"/>
-          <p:nvPr/>
-        </p:nvSpPr>
-        <p:spPr>
-          <a:xfrm>
-            <a:off x="3270589" y="152400"/>
-            <a:ext cx="301686" cy="369332"/>
-          </a:xfrm>
-          <a:prstGeom prst="rect">
-            <a:avLst/>
-          </a:prstGeom>
-          <a:noFill/>
-        </p:spPr>
-        <p:txBody>
-          <a:bodyPr wrap="none" rtlCol="0">
-            <a:spAutoFit/>
-          </a:bodyPr>
-          <a:lstStyle/>
-          <a:p>
-            <a:r>
-              <a:rPr lang="en-US" dirty="0" smtClean="0">
-                <a:solidFill>
-                  <a:srgbClr val="0000FF"/>
-                </a:solidFill>
-              </a:rPr>
-              <a:t>1</a:t>
-            </a:r>
-            <a:endParaRPr lang="en-US" dirty="0">
-              <a:solidFill>
-                <a:srgbClr val="0000FF"/>
-              </a:solidFill>
-            </a:endParaRPr>
-          </a:p>
-        </p:txBody>
-      </p:sp>
-      <p:sp>
-        <p:nvSpPr>
-          <p:cNvPr id="20" name="TextBox 19"/>
-          <p:cNvSpPr txBox="1"/>
-          <p:nvPr/>
-        </p:nvSpPr>
-        <p:spPr>
-          <a:xfrm>
-            <a:off x="3851636" y="152400"/>
-            <a:ext cx="301686" cy="369332"/>
-          </a:xfrm>
-          <a:prstGeom prst="rect">
-            <a:avLst/>
-          </a:prstGeom>
-          <a:noFill/>
-        </p:spPr>
-        <p:txBody>
-          <a:bodyPr wrap="none" rtlCol="0">
-            <a:spAutoFit/>
-          </a:bodyPr>
-          <a:lstStyle/>
-          <a:p>
-            <a:r>
-              <a:rPr lang="en-US" dirty="0">
-                <a:solidFill>
-                  <a:srgbClr val="0000FF"/>
-                </a:solidFill>
-              </a:rPr>
-              <a:t>2</a:t>
-            </a:r>
-          </a:p>
-        </p:txBody>
-      </p:sp>
-      <p:sp>
-        <p:nvSpPr>
-          <p:cNvPr id="21" name="TextBox 20"/>
-          <p:cNvSpPr txBox="1"/>
-          <p:nvPr/>
-        </p:nvSpPr>
-        <p:spPr>
-          <a:xfrm>
-            <a:off x="4417693" y="152400"/>
-            <a:ext cx="301686" cy="369332"/>
-          </a:xfrm>
-          <a:prstGeom prst="rect">
-            <a:avLst/>
-          </a:prstGeom>
-          <a:noFill/>
-        </p:spPr>
-        <p:txBody>
-          <a:bodyPr wrap="none" rtlCol="0">
-            <a:spAutoFit/>
-          </a:bodyPr>
-          <a:lstStyle/>
-          <a:p>
-            <a:r>
-              <a:rPr lang="en-US" dirty="0" smtClean="0">
-                <a:solidFill>
-                  <a:srgbClr val="0000FF"/>
-                </a:solidFill>
-              </a:rPr>
-              <a:t>3</a:t>
-            </a:r>
-            <a:endParaRPr lang="en-US" dirty="0">
-              <a:solidFill>
-                <a:srgbClr val="0000FF"/>
-              </a:solidFill>
-            </a:endParaRPr>
-          </a:p>
-        </p:txBody>
-      </p:sp>
-      <p:sp>
-        <p:nvSpPr>
-          <p:cNvPr id="22" name="TextBox 21"/>
-          <p:cNvSpPr txBox="1"/>
-          <p:nvPr/>
-        </p:nvSpPr>
-        <p:spPr>
-          <a:xfrm>
-            <a:off x="4983750" y="152400"/>
-            <a:ext cx="301686" cy="369332"/>
-          </a:xfrm>
-          <a:prstGeom prst="rect">
-            <a:avLst/>
-          </a:prstGeom>
-          <a:noFill/>
-        </p:spPr>
-        <p:txBody>
-          <a:bodyPr wrap="none" rtlCol="0">
-            <a:spAutoFit/>
-          </a:bodyPr>
-          <a:lstStyle/>
-          <a:p>
-            <a:r>
-              <a:rPr lang="en-US" dirty="0">
-                <a:solidFill>
-                  <a:srgbClr val="0000FF"/>
-                </a:solidFill>
-              </a:rPr>
-              <a:t>6</a:t>
-            </a:r>
-          </a:p>
-        </p:txBody>
-      </p:sp>
-      <p:sp>
-        <p:nvSpPr>
-          <p:cNvPr id="23" name="TextBox 22"/>
-          <p:cNvSpPr txBox="1"/>
-          <p:nvPr/>
-        </p:nvSpPr>
-        <p:spPr>
-          <a:xfrm>
-            <a:off x="5549807" y="152400"/>
-            <a:ext cx="301686" cy="369332"/>
-          </a:xfrm>
-          <a:prstGeom prst="rect">
-            <a:avLst/>
-          </a:prstGeom>
-          <a:noFill/>
-        </p:spPr>
-        <p:txBody>
-          <a:bodyPr wrap="none" rtlCol="0">
-            <a:spAutoFit/>
-          </a:bodyPr>
-          <a:lstStyle/>
-          <a:p>
-            <a:r>
-              <a:rPr lang="en-US" dirty="0">
-                <a:solidFill>
-                  <a:srgbClr val="0000FF"/>
-                </a:solidFill>
-              </a:rPr>
-              <a:t>8</a:t>
-            </a:r>
-          </a:p>
-        </p:txBody>
-      </p:sp>
-      <p:sp>
-        <p:nvSpPr>
-          <p:cNvPr id="10" name="TextBox 9"/>
-          <p:cNvSpPr txBox="1"/>
-          <p:nvPr/>
-        </p:nvSpPr>
-        <p:spPr>
-          <a:xfrm>
-            <a:off x="2819400" y="525905"/>
-            <a:ext cx="301686" cy="369332"/>
-          </a:xfrm>
-          <a:prstGeom prst="rect">
-            <a:avLst/>
-          </a:prstGeom>
-          <a:noFill/>
-        </p:spPr>
-        <p:txBody>
-          <a:bodyPr wrap="none" rtlCol="0">
-            <a:spAutoFit/>
-          </a:bodyPr>
-          <a:lstStyle/>
-          <a:p>
-            <a:r>
-              <a:rPr lang="en-US" dirty="0" smtClean="0">
-                <a:solidFill>
-                  <a:srgbClr val="0000FF"/>
-                </a:solidFill>
-              </a:rPr>
-              <a:t>1</a:t>
-            </a:r>
-            <a:endParaRPr lang="en-US" dirty="0">
-              <a:solidFill>
-                <a:srgbClr val="0000FF"/>
-              </a:solidFill>
-            </a:endParaRPr>
-          </a:p>
-        </p:txBody>
-      </p:sp>
-      <p:sp>
-        <p:nvSpPr>
-          <p:cNvPr id="11" name="TextBox 10"/>
-          <p:cNvSpPr txBox="1"/>
-          <p:nvPr/>
-        </p:nvSpPr>
-        <p:spPr>
-          <a:xfrm>
-            <a:off x="2819400" y="980138"/>
-            <a:ext cx="301686" cy="369332"/>
-          </a:xfrm>
-          <a:prstGeom prst="rect">
-            <a:avLst/>
-          </a:prstGeom>
-          <a:noFill/>
-        </p:spPr>
-        <p:txBody>
-          <a:bodyPr wrap="none" rtlCol="0">
-            <a:spAutoFit/>
-          </a:bodyPr>
-          <a:lstStyle/>
-          <a:p>
-            <a:r>
-              <a:rPr lang="en-US" dirty="0" smtClean="0">
-                <a:solidFill>
-                  <a:srgbClr val="0000FF"/>
-                </a:solidFill>
-              </a:rPr>
-              <a:t>3</a:t>
-            </a:r>
-            <a:endParaRPr lang="en-US" dirty="0">
-              <a:solidFill>
-                <a:srgbClr val="0000FF"/>
-              </a:solidFill>
-            </a:endParaRPr>
-          </a:p>
-        </p:txBody>
-      </p:sp>
-      <p:sp>
-        <p:nvSpPr>
-          <p:cNvPr id="12" name="TextBox 11"/>
-          <p:cNvSpPr txBox="1"/>
-          <p:nvPr/>
-        </p:nvSpPr>
-        <p:spPr>
-          <a:xfrm>
-            <a:off x="2819400" y="1434371"/>
-            <a:ext cx="301686" cy="369332"/>
-          </a:xfrm>
-          <a:prstGeom prst="rect">
-            <a:avLst/>
-          </a:prstGeom>
-          <a:noFill/>
-        </p:spPr>
-        <p:txBody>
-          <a:bodyPr wrap="none" rtlCol="0">
-            <a:spAutoFit/>
-          </a:bodyPr>
-          <a:lstStyle/>
-          <a:p>
-            <a:r>
-              <a:rPr lang="en-US" dirty="0">
-                <a:solidFill>
-                  <a:srgbClr val="0000FF"/>
-                </a:solidFill>
-              </a:rPr>
-              <a:t>4</a:t>
-            </a:r>
-          </a:p>
-        </p:txBody>
-      </p:sp>
-      <p:sp>
-        <p:nvSpPr>
-          <p:cNvPr id="13" name="TextBox 12"/>
-          <p:cNvSpPr txBox="1"/>
-          <p:nvPr/>
-        </p:nvSpPr>
-        <p:spPr>
-          <a:xfrm>
-            <a:off x="2819400" y="1888604"/>
-            <a:ext cx="301686" cy="369332"/>
-          </a:xfrm>
-          <a:prstGeom prst="rect">
-            <a:avLst/>
-          </a:prstGeom>
-          <a:noFill/>
-        </p:spPr>
-        <p:txBody>
-          <a:bodyPr wrap="none" rtlCol="0">
-            <a:spAutoFit/>
-          </a:bodyPr>
-          <a:lstStyle/>
-          <a:p>
-            <a:r>
-              <a:rPr lang="en-US" dirty="0">
-                <a:solidFill>
-                  <a:srgbClr val="0000FF"/>
-                </a:solidFill>
-              </a:rPr>
-              <a:t>8</a:t>
-            </a:r>
-          </a:p>
-        </p:txBody>
-      </p:sp>
-      <p:sp>
-        <p:nvSpPr>
-          <p:cNvPr id="14" name="TextBox 13"/>
-          <p:cNvSpPr txBox="1"/>
-          <p:nvPr/>
-        </p:nvSpPr>
-        <p:spPr>
-          <a:xfrm>
-            <a:off x="2819400" y="2342837"/>
-            <a:ext cx="301686" cy="369332"/>
-          </a:xfrm>
-          <a:prstGeom prst="rect">
-            <a:avLst/>
-          </a:prstGeom>
-          <a:noFill/>
-        </p:spPr>
-        <p:txBody>
-          <a:bodyPr wrap="none" rtlCol="0">
-            <a:spAutoFit/>
-          </a:bodyPr>
-          <a:lstStyle/>
-          <a:p>
-            <a:r>
-              <a:rPr lang="en-US" dirty="0">
-                <a:solidFill>
-                  <a:srgbClr val="0000FF"/>
-                </a:solidFill>
-              </a:rPr>
-              <a:t>9</a:t>
-            </a:r>
-          </a:p>
-        </p:txBody>
-      </p:sp>
-      <p:graphicFrame>
-        <p:nvGraphicFramePr>
-          <p:cNvPr id="37" name="Table 36"/>
-          <p:cNvGraphicFramePr>
-            <a:graphicFrameLocks noGrp="1"/>
-          </p:cNvGraphicFramePr>
-          <p:nvPr>
-            <p:extLst>
-              <p:ext uri="{D42A27DB-BD31-4B8C-83A1-F6EECF244321}">
-                <p14:modId xmlns:p14="http://schemas.microsoft.com/office/powerpoint/2010/main" val="897788287"/>
-              </p:ext>
-            </p:extLst>
-          </p:nvPr>
-        </p:nvGraphicFramePr>
-        <p:xfrm>
-          <a:off x="876300" y="4191000"/>
-          <a:ext cx="2286000" cy="914400"/>
-        </p:xfrm>
-        <a:graphic>
-          <a:graphicData uri="http://schemas.openxmlformats.org/drawingml/2006/table">
-            <a:tbl>
-              <a:tblPr firstRow="1" bandRow="1">
-                <a:tableStyleId>{5940675A-B579-460E-94D1-54222C63F5DA}</a:tableStyleId>
-              </a:tblPr>
-              <a:tblGrid>
-                <a:gridCol w="571500">
-                  <a:extLst>
-                    <a:ext uri="{9D8B030D-6E8A-4147-A177-3AD203B41FA5}">
-                      <a16:colId xmlns:a16="http://schemas.microsoft.com/office/drawing/2014/main" val="158516896"/>
-                    </a:ext>
-                  </a:extLst>
-                </a:gridCol>
-                <a:gridCol w="571500">
-                  <a:extLst>
-                    <a:ext uri="{9D8B030D-6E8A-4147-A177-3AD203B41FA5}">
-                      <a16:colId xmlns:a16="http://schemas.microsoft.com/office/drawing/2014/main" val="3269663166"/>
-                    </a:ext>
-                  </a:extLst>
-                </a:gridCol>
-                <a:gridCol w="571500">
-                  <a:extLst>
-                    <a:ext uri="{9D8B030D-6E8A-4147-A177-3AD203B41FA5}">
-                      <a16:colId xmlns:a16="http://schemas.microsoft.com/office/drawing/2014/main" val="1580642413"/>
-                    </a:ext>
-                  </a:extLst>
-                </a:gridCol>
-                <a:gridCol w="571500">
-                  <a:extLst>
-                    <a:ext uri="{9D8B030D-6E8A-4147-A177-3AD203B41FA5}">
-                      <a16:colId xmlns:a16="http://schemas.microsoft.com/office/drawing/2014/main" val="3799056658"/>
-                    </a:ext>
-                  </a:extLst>
-                </a:gridCol>
-              </a:tblGrid>
-              <a:tr h="370840">
-                <a:tc>
-                  <a:txBody>
-                    <a:bodyPr/>
-                    <a:lstStyle/>
-                    <a:p>
-                      <a:pPr algn="ctr"/>
-                      <a:r>
-                        <a:rPr lang="en-US" sz="2400" dirty="0" smtClean="0"/>
-                        <a:t>1</a:t>
-                      </a:r>
-                      <a:endParaRPr lang="en-US" sz="2400" dirty="0"/>
-                    </a:p>
-                  </a:txBody>
-                  <a:tcPr/>
-                </a:tc>
-                <a:tc>
-                  <a:txBody>
-                    <a:bodyPr/>
-                    <a:lstStyle/>
-                    <a:p>
-                      <a:pPr algn="ctr"/>
-                      <a:r>
-                        <a:rPr lang="en-US" sz="2400" dirty="0" smtClean="0"/>
-                        <a:t>1</a:t>
-                      </a:r>
-                      <a:endParaRPr lang="en-US" sz="2400" dirty="0"/>
-                    </a:p>
-                  </a:txBody>
-                  <a:tcPr/>
-                </a:tc>
-                <a:tc>
-                  <a:txBody>
-                    <a:bodyPr/>
-                    <a:lstStyle/>
-                    <a:p>
-                      <a:pPr algn="ctr"/>
-                      <a:endParaRPr lang="en-US" sz="2400"/>
-                    </a:p>
-                  </a:txBody>
-                  <a:tcPr/>
-                </a:tc>
-                <a:tc>
-                  <a:txBody>
-                    <a:bodyPr/>
-                    <a:lstStyle/>
-                    <a:p>
-                      <a:pPr algn="ctr"/>
-                      <a:endParaRPr lang="en-US" sz="2400" dirty="0"/>
-                    </a:p>
-                  </a:txBody>
-                  <a:tcPr/>
-                </a:tc>
-                <a:extLst>
-                  <a:ext uri="{0D108BD9-81ED-4DB2-BD59-A6C34878D82A}">
-                    <a16:rowId xmlns:a16="http://schemas.microsoft.com/office/drawing/2014/main" val="1021727243"/>
-                  </a:ext>
-                </a:extLst>
-              </a:tr>
-              <a:tr h="370840">
-                <a:tc>
-                  <a:txBody>
-                    <a:bodyPr/>
-                    <a:lstStyle/>
-                    <a:p>
-                      <a:pPr algn="ctr"/>
-                      <a:endParaRPr lang="en-US" sz="2400" dirty="0"/>
-                    </a:p>
-                  </a:txBody>
-                  <a:tcPr/>
-                </a:tc>
-                <a:tc>
-                  <a:txBody>
-                    <a:bodyPr/>
-                    <a:lstStyle/>
-                    <a:p>
-                      <a:pPr algn="ctr"/>
-                      <a:endParaRPr lang="en-US" sz="2400" dirty="0"/>
-                    </a:p>
-                  </a:txBody>
-                  <a:tcPr/>
-                </a:tc>
-                <a:tc>
-                  <a:txBody>
-                    <a:bodyPr/>
-                    <a:lstStyle/>
-                    <a:p>
-                      <a:pPr algn="ctr"/>
-                      <a:r>
-                        <a:rPr lang="en-US" sz="2400" dirty="0" smtClean="0"/>
-                        <a:t>1</a:t>
-                      </a:r>
-                      <a:endParaRPr lang="en-US" sz="2400" dirty="0"/>
-                    </a:p>
-                  </a:txBody>
-                  <a:tcPr/>
-                </a:tc>
-                <a:tc>
-                  <a:txBody>
-                    <a:bodyPr/>
-                    <a:lstStyle/>
-                    <a:p>
-                      <a:pPr algn="ctr"/>
-                      <a:r>
-                        <a:rPr lang="en-US" sz="2400" dirty="0" smtClean="0"/>
-                        <a:t>1</a:t>
-                      </a:r>
-                      <a:endParaRPr lang="en-US" sz="2400" dirty="0"/>
-                    </a:p>
-                  </a:txBody>
-                  <a:tcPr/>
-                </a:tc>
-                <a:extLst>
-                  <a:ext uri="{0D108BD9-81ED-4DB2-BD59-A6C34878D82A}">
-                    <a16:rowId xmlns:a16="http://schemas.microsoft.com/office/drawing/2014/main" val="2495999131"/>
-                  </a:ext>
-                </a:extLst>
-              </a:tr>
-            </a:tbl>
-          </a:graphicData>
-        </a:graphic>
-      </p:graphicFrame>
-      <p:grpSp>
-        <p:nvGrpSpPr>
-          <p:cNvPr id="63" name="Group 62"/>
-          <p:cNvGrpSpPr/>
-          <p:nvPr/>
-        </p:nvGrpSpPr>
-        <p:grpSpPr>
-          <a:xfrm>
-            <a:off x="573989" y="2895600"/>
-            <a:ext cx="3159811" cy="2156085"/>
-            <a:chOff x="573989" y="2895600"/>
-            <a:chExt cx="3159811" cy="2156085"/>
-          </a:xfrm>
-        </p:grpSpPr>
-        <p:grpSp>
-          <p:nvGrpSpPr>
-            <p:cNvPr id="62" name="Group 61"/>
-            <p:cNvGrpSpPr/>
-            <p:nvPr/>
-          </p:nvGrpSpPr>
-          <p:grpSpPr>
-            <a:xfrm>
-              <a:off x="573989" y="3860393"/>
-              <a:ext cx="2474011" cy="1191292"/>
-              <a:chOff x="573989" y="3860393"/>
-              <a:chExt cx="2474011" cy="1191292"/>
-            </a:xfrm>
-          </p:grpSpPr>
-          <p:sp>
-            <p:nvSpPr>
-              <p:cNvPr id="39" name="TextBox 38"/>
-              <p:cNvSpPr txBox="1"/>
-              <p:nvPr/>
-            </p:nvSpPr>
-            <p:spPr>
-              <a:xfrm>
-                <a:off x="1033153" y="3860393"/>
-                <a:ext cx="301686" cy="369332"/>
-              </a:xfrm>
-              <a:prstGeom prst="rect">
-                <a:avLst/>
-              </a:prstGeom>
-              <a:noFill/>
-            </p:spPr>
-            <p:txBody>
-              <a:bodyPr wrap="none" rtlCol="0">
-                <a:spAutoFit/>
-              </a:bodyPr>
-              <a:lstStyle/>
-              <a:p>
-                <a:r>
-                  <a:rPr lang="en-US" dirty="0" smtClean="0">
-                    <a:solidFill>
-                      <a:srgbClr val="0000FF"/>
-                    </a:solidFill>
-                  </a:rPr>
-                  <a:t>1</a:t>
-                </a:r>
-                <a:endParaRPr lang="en-US" dirty="0">
-                  <a:solidFill>
-                    <a:srgbClr val="0000FF"/>
-                  </a:solidFill>
-                </a:endParaRPr>
-              </a:p>
-            </p:txBody>
-          </p:sp>
-          <p:sp>
-            <p:nvSpPr>
-              <p:cNvPr id="41" name="TextBox 40"/>
-              <p:cNvSpPr txBox="1"/>
-              <p:nvPr/>
-            </p:nvSpPr>
-            <p:spPr>
-              <a:xfrm>
-                <a:off x="1614200" y="3860393"/>
-                <a:ext cx="301686" cy="369332"/>
-              </a:xfrm>
-              <a:prstGeom prst="rect">
-                <a:avLst/>
-              </a:prstGeom>
-              <a:noFill/>
-            </p:spPr>
-            <p:txBody>
-              <a:bodyPr wrap="none" rtlCol="0">
-                <a:spAutoFit/>
-              </a:bodyPr>
-              <a:lstStyle/>
-              <a:p>
-                <a:r>
-                  <a:rPr lang="en-US" dirty="0">
-                    <a:solidFill>
-                      <a:srgbClr val="0000FF"/>
-                    </a:solidFill>
-                  </a:rPr>
-                  <a:t>2</a:t>
-                </a:r>
-              </a:p>
-            </p:txBody>
-          </p:sp>
-          <p:sp>
-            <p:nvSpPr>
-              <p:cNvPr id="43" name="TextBox 42"/>
-              <p:cNvSpPr txBox="1"/>
-              <p:nvPr/>
-            </p:nvSpPr>
-            <p:spPr>
-              <a:xfrm>
-                <a:off x="2180257" y="3860393"/>
-                <a:ext cx="301686" cy="369332"/>
-              </a:xfrm>
-              <a:prstGeom prst="rect">
-                <a:avLst/>
-              </a:prstGeom>
-              <a:noFill/>
-            </p:spPr>
-            <p:txBody>
-              <a:bodyPr wrap="none" rtlCol="0">
-                <a:spAutoFit/>
-              </a:bodyPr>
-              <a:lstStyle/>
-              <a:p>
-                <a:r>
-                  <a:rPr lang="en-US" dirty="0" smtClean="0">
-                    <a:solidFill>
-                      <a:srgbClr val="0000FF"/>
-                    </a:solidFill>
-                  </a:rPr>
-                  <a:t>3</a:t>
-                </a:r>
-                <a:endParaRPr lang="en-US" dirty="0">
-                  <a:solidFill>
-                    <a:srgbClr val="0000FF"/>
-                  </a:solidFill>
-                </a:endParaRPr>
-              </a:p>
-            </p:txBody>
-          </p:sp>
-          <p:sp>
-            <p:nvSpPr>
-              <p:cNvPr id="44" name="TextBox 43"/>
-              <p:cNvSpPr txBox="1"/>
-              <p:nvPr/>
-            </p:nvSpPr>
-            <p:spPr>
-              <a:xfrm>
-                <a:off x="2746314" y="3860393"/>
-                <a:ext cx="301686" cy="369332"/>
-              </a:xfrm>
-              <a:prstGeom prst="rect">
-                <a:avLst/>
-              </a:prstGeom>
-              <a:noFill/>
-            </p:spPr>
-            <p:txBody>
-              <a:bodyPr wrap="none" rtlCol="0">
-                <a:spAutoFit/>
-              </a:bodyPr>
-              <a:lstStyle/>
-              <a:p>
-                <a:r>
-                  <a:rPr lang="en-US" dirty="0">
-                    <a:solidFill>
-                      <a:srgbClr val="0000FF"/>
-                    </a:solidFill>
-                  </a:rPr>
-                  <a:t>6</a:t>
-                </a:r>
-              </a:p>
-            </p:txBody>
-          </p:sp>
-          <p:sp>
-            <p:nvSpPr>
-              <p:cNvPr id="45" name="TextBox 44"/>
-              <p:cNvSpPr txBox="1"/>
-              <p:nvPr/>
-            </p:nvSpPr>
-            <p:spPr>
-              <a:xfrm>
-                <a:off x="573989" y="4228120"/>
-                <a:ext cx="301686" cy="369332"/>
-              </a:xfrm>
-              <a:prstGeom prst="rect">
-                <a:avLst/>
-              </a:prstGeom>
-              <a:noFill/>
-            </p:spPr>
-            <p:txBody>
-              <a:bodyPr wrap="none" rtlCol="0">
-                <a:spAutoFit/>
-              </a:bodyPr>
-              <a:lstStyle/>
-              <a:p>
-                <a:r>
-                  <a:rPr lang="en-US" dirty="0" smtClean="0">
-                    <a:solidFill>
-                      <a:srgbClr val="0000FF"/>
-                    </a:solidFill>
-                  </a:rPr>
-                  <a:t>1</a:t>
-                </a:r>
-                <a:endParaRPr lang="en-US" dirty="0">
-                  <a:solidFill>
-                    <a:srgbClr val="0000FF"/>
-                  </a:solidFill>
-                </a:endParaRPr>
-              </a:p>
-            </p:txBody>
-          </p:sp>
-          <p:sp>
-            <p:nvSpPr>
-              <p:cNvPr id="46" name="TextBox 45"/>
-              <p:cNvSpPr txBox="1"/>
-              <p:nvPr/>
-            </p:nvSpPr>
-            <p:spPr>
-              <a:xfrm>
-                <a:off x="573989" y="4682353"/>
-                <a:ext cx="301686" cy="369332"/>
-              </a:xfrm>
-              <a:prstGeom prst="rect">
-                <a:avLst/>
-              </a:prstGeom>
-              <a:noFill/>
-            </p:spPr>
-            <p:txBody>
-              <a:bodyPr wrap="none" rtlCol="0">
-                <a:spAutoFit/>
-              </a:bodyPr>
-              <a:lstStyle/>
-              <a:p>
-                <a:r>
-                  <a:rPr lang="en-US" dirty="0">
-                    <a:solidFill>
-                      <a:srgbClr val="0000FF"/>
-                    </a:solidFill>
-                  </a:rPr>
-                  <a:t>4</a:t>
-                </a:r>
-              </a:p>
-            </p:txBody>
-          </p:sp>
-        </p:grpSp>
-        <p:grpSp>
-          <p:nvGrpSpPr>
-            <p:cNvPr id="61" name="Group 60"/>
-            <p:cNvGrpSpPr/>
-            <p:nvPr/>
-          </p:nvGrpSpPr>
-          <p:grpSpPr>
-            <a:xfrm>
-              <a:off x="2301120" y="2895600"/>
-              <a:ext cx="1432680" cy="914400"/>
-              <a:chOff x="2301120" y="2895600"/>
-              <a:chExt cx="1432680" cy="914400"/>
-            </a:xfrm>
-          </p:grpSpPr>
-          <p:cxnSp>
-            <p:nvCxnSpPr>
-              <p:cNvPr id="33" name="Straight Arrow Connector 32"/>
-              <p:cNvCxnSpPr/>
-              <p:nvPr/>
-            </p:nvCxnSpPr>
-            <p:spPr>
-              <a:xfrm flipH="1">
-                <a:off x="2590800" y="2895600"/>
-                <a:ext cx="1143000" cy="914400"/>
-              </a:xfrm>
-              <a:prstGeom prst="straightConnector1">
-                <a:avLst/>
-              </a:prstGeom>
-              <a:ln w="28575">
-                <a:solidFill>
-                  <a:schemeClr val="tx1"/>
-                </a:solidFill>
-                <a:tailEnd type="triangle"/>
-              </a:ln>
-            </p:spPr>
-            <p:style>
-              <a:lnRef idx="1">
-                <a:schemeClr val="accent1"/>
-              </a:lnRef>
-              <a:fillRef idx="0">
-                <a:schemeClr val="accent1"/>
-              </a:fillRef>
-              <a:effectRef idx="0">
-                <a:schemeClr val="accent1"/>
-              </a:effectRef>
-              <a:fontRef idx="minor">
-                <a:schemeClr val="tx1"/>
-              </a:fontRef>
-            </p:style>
-          </p:cxnSp>
-          <p:sp>
-            <p:nvSpPr>
-              <p:cNvPr id="35" name="TextBox 34"/>
-              <p:cNvSpPr txBox="1"/>
-              <p:nvPr/>
-            </p:nvSpPr>
-            <p:spPr>
-              <a:xfrm>
-                <a:off x="2301120" y="3080904"/>
-                <a:ext cx="771558" cy="369332"/>
-              </a:xfrm>
-              <a:prstGeom prst="rect">
-                <a:avLst/>
-              </a:prstGeom>
-              <a:noFill/>
-            </p:spPr>
-            <p:txBody>
-              <a:bodyPr wrap="none" rtlCol="0">
-                <a:spAutoFit/>
-              </a:bodyPr>
-              <a:lstStyle/>
-              <a:p>
-                <a:r>
-                  <a:rPr lang="en-US" dirty="0" smtClean="0"/>
-                  <a:t>Take 8</a:t>
-                </a:r>
-                <a:endParaRPr lang="en-US" dirty="0"/>
-              </a:p>
-            </p:txBody>
-          </p:sp>
-        </p:grpSp>
-      </p:grpSp>
-      <p:graphicFrame>
-        <p:nvGraphicFramePr>
-          <p:cNvPr id="47" name="Table 46"/>
-          <p:cNvGraphicFramePr>
-            <a:graphicFrameLocks noGrp="1"/>
-          </p:cNvGraphicFramePr>
-          <p:nvPr>
-            <p:extLst>
-              <p:ext uri="{D42A27DB-BD31-4B8C-83A1-F6EECF244321}">
-                <p14:modId xmlns:p14="http://schemas.microsoft.com/office/powerpoint/2010/main" val="3980244716"/>
-              </p:ext>
-            </p:extLst>
-          </p:nvPr>
-        </p:nvGraphicFramePr>
-        <p:xfrm>
-          <a:off x="5753100" y="3352800"/>
-          <a:ext cx="2286000" cy="2286000"/>
-        </p:xfrm>
-        <a:graphic>
-          <a:graphicData uri="http://schemas.openxmlformats.org/drawingml/2006/table">
-            <a:tbl>
-              <a:tblPr firstRow="1" bandRow="1">
-                <a:tableStyleId>{5940675A-B579-460E-94D1-54222C63F5DA}</a:tableStyleId>
-              </a:tblPr>
-              <a:tblGrid>
-                <a:gridCol w="571500">
-                  <a:extLst>
-                    <a:ext uri="{9D8B030D-6E8A-4147-A177-3AD203B41FA5}">
-                      <a16:colId xmlns:a16="http://schemas.microsoft.com/office/drawing/2014/main" val="158516896"/>
-                    </a:ext>
-                  </a:extLst>
-                </a:gridCol>
-                <a:gridCol w="571500">
-                  <a:extLst>
-                    <a:ext uri="{9D8B030D-6E8A-4147-A177-3AD203B41FA5}">
-                      <a16:colId xmlns:a16="http://schemas.microsoft.com/office/drawing/2014/main" val="3269663166"/>
-                    </a:ext>
-                  </a:extLst>
-                </a:gridCol>
-                <a:gridCol w="571500">
-                  <a:extLst>
-                    <a:ext uri="{9D8B030D-6E8A-4147-A177-3AD203B41FA5}">
-                      <a16:colId xmlns:a16="http://schemas.microsoft.com/office/drawing/2014/main" val="1580642413"/>
-                    </a:ext>
-                  </a:extLst>
-                </a:gridCol>
-                <a:gridCol w="571500">
-                  <a:extLst>
-                    <a:ext uri="{9D8B030D-6E8A-4147-A177-3AD203B41FA5}">
-                      <a16:colId xmlns:a16="http://schemas.microsoft.com/office/drawing/2014/main" val="3799056658"/>
-                    </a:ext>
-                  </a:extLst>
-                </a:gridCol>
-              </a:tblGrid>
-              <a:tr h="370840">
-                <a:tc>
-                  <a:txBody>
-                    <a:bodyPr/>
-                    <a:lstStyle/>
-                    <a:p>
-                      <a:pPr algn="ctr"/>
-                      <a:r>
-                        <a:rPr lang="en-US" sz="2400" dirty="0" smtClean="0"/>
-                        <a:t>1</a:t>
-                      </a:r>
-                      <a:endParaRPr lang="en-US" sz="2400" dirty="0"/>
-                    </a:p>
-                  </a:txBody>
-                  <a:tcPr>
-                    <a:solidFill>
-                      <a:schemeClr val="bg1">
-                        <a:lumMod val="65000"/>
-                      </a:schemeClr>
-                    </a:solidFill>
-                  </a:tcPr>
-                </a:tc>
-                <a:tc>
-                  <a:txBody>
-                    <a:bodyPr/>
-                    <a:lstStyle/>
-                    <a:p>
-                      <a:pPr algn="ctr"/>
-                      <a:r>
-                        <a:rPr lang="en-US" sz="2400" dirty="0" smtClean="0"/>
-                        <a:t>1</a:t>
-                      </a:r>
-                      <a:endParaRPr lang="en-US" sz="2400" dirty="0"/>
-                    </a:p>
-                  </a:txBody>
-                  <a:tcPr>
-                    <a:solidFill>
-                      <a:schemeClr val="bg1">
-                        <a:lumMod val="65000"/>
-                      </a:schemeClr>
-                    </a:solidFill>
-                  </a:tcPr>
-                </a:tc>
-                <a:tc>
-                  <a:txBody>
-                    <a:bodyPr/>
-                    <a:lstStyle/>
-                    <a:p>
-                      <a:pPr algn="ctr"/>
-                      <a:endParaRPr lang="en-US" sz="2400" dirty="0"/>
-                    </a:p>
-                  </a:txBody>
-                  <a:tcPr>
-                    <a:solidFill>
-                      <a:schemeClr val="bg1">
-                        <a:lumMod val="65000"/>
-                      </a:schemeClr>
-                    </a:solidFill>
-                  </a:tcPr>
-                </a:tc>
-                <a:tc>
-                  <a:txBody>
-                    <a:bodyPr/>
-                    <a:lstStyle/>
-                    <a:p>
-                      <a:pPr algn="ctr"/>
-                      <a:endParaRPr lang="en-US" sz="2400" dirty="0"/>
-                    </a:p>
-                  </a:txBody>
-                  <a:tcPr>
-                    <a:solidFill>
-                      <a:schemeClr val="bg1">
-                        <a:lumMod val="65000"/>
-                      </a:schemeClr>
-                    </a:solidFill>
-                  </a:tcPr>
-                </a:tc>
-                <a:extLst>
-                  <a:ext uri="{0D108BD9-81ED-4DB2-BD59-A6C34878D82A}">
-                    <a16:rowId xmlns:a16="http://schemas.microsoft.com/office/drawing/2014/main" val="1021727243"/>
-                  </a:ext>
-                </a:extLst>
-              </a:tr>
-              <a:tr h="370840">
-                <a:tc>
-                  <a:txBody>
-                    <a:bodyPr/>
-                    <a:lstStyle/>
-                    <a:p>
-                      <a:pPr algn="ctr"/>
-                      <a:r>
-                        <a:rPr lang="en-US" sz="2400" dirty="0" smtClean="0"/>
-                        <a:t>1</a:t>
-                      </a:r>
-                      <a:endParaRPr lang="en-US" sz="2400" dirty="0"/>
-                    </a:p>
-                  </a:txBody>
-                  <a:tcPr>
-                    <a:solidFill>
-                      <a:schemeClr val="bg1">
-                        <a:lumMod val="65000"/>
-                      </a:schemeClr>
-                    </a:solidFill>
-                  </a:tcPr>
-                </a:tc>
-                <a:tc>
-                  <a:txBody>
-                    <a:bodyPr/>
-                    <a:lstStyle/>
-                    <a:p>
-                      <a:pPr algn="ctr"/>
-                      <a:endParaRPr lang="en-US" sz="2400"/>
-                    </a:p>
-                  </a:txBody>
-                  <a:tcPr>
-                    <a:solidFill>
-                      <a:schemeClr val="bg1">
-                        <a:lumMod val="65000"/>
-                      </a:schemeClr>
-                    </a:solidFill>
-                  </a:tcPr>
-                </a:tc>
-                <a:tc>
-                  <a:txBody>
-                    <a:bodyPr/>
-                    <a:lstStyle/>
-                    <a:p>
-                      <a:pPr algn="ctr"/>
-                      <a:endParaRPr lang="en-US" sz="2400" dirty="0"/>
-                    </a:p>
-                  </a:txBody>
-                  <a:tcPr>
-                    <a:solidFill>
-                      <a:schemeClr val="bg1">
-                        <a:lumMod val="65000"/>
-                      </a:schemeClr>
-                    </a:solidFill>
-                  </a:tcPr>
-                </a:tc>
-                <a:tc>
-                  <a:txBody>
-                    <a:bodyPr/>
-                    <a:lstStyle/>
-                    <a:p>
-                      <a:pPr algn="ctr"/>
-                      <a:endParaRPr lang="en-US" sz="2400"/>
-                    </a:p>
-                  </a:txBody>
-                  <a:tcPr>
-                    <a:solidFill>
-                      <a:schemeClr val="bg1">
-                        <a:lumMod val="65000"/>
-                      </a:schemeClr>
-                    </a:solidFill>
-                  </a:tcPr>
-                </a:tc>
-                <a:extLst>
-                  <a:ext uri="{0D108BD9-81ED-4DB2-BD59-A6C34878D82A}">
-                    <a16:rowId xmlns:a16="http://schemas.microsoft.com/office/drawing/2014/main" val="3317507107"/>
-                  </a:ext>
-                </a:extLst>
-              </a:tr>
-              <a:tr h="370840">
-                <a:tc>
-                  <a:txBody>
-                    <a:bodyPr/>
-                    <a:lstStyle/>
-                    <a:p>
-                      <a:pPr algn="ctr"/>
-                      <a:endParaRPr lang="en-US" sz="2400"/>
-                    </a:p>
-                  </a:txBody>
-                  <a:tcPr>
-                    <a:solidFill>
-                      <a:schemeClr val="bg1">
-                        <a:lumMod val="65000"/>
-                      </a:schemeClr>
-                    </a:solidFill>
-                  </a:tcPr>
-                </a:tc>
-                <a:tc>
-                  <a:txBody>
-                    <a:bodyPr/>
-                    <a:lstStyle/>
-                    <a:p>
-                      <a:pPr algn="ctr"/>
-                      <a:endParaRPr lang="en-US" sz="2400" dirty="0"/>
-                    </a:p>
-                  </a:txBody>
-                  <a:tcPr>
-                    <a:solidFill>
-                      <a:schemeClr val="bg1">
-                        <a:lumMod val="65000"/>
-                      </a:schemeClr>
-                    </a:solidFill>
-                  </a:tcPr>
-                </a:tc>
-                <a:tc>
-                  <a:txBody>
-                    <a:bodyPr/>
-                    <a:lstStyle/>
-                    <a:p>
-                      <a:pPr algn="ctr"/>
-                      <a:r>
-                        <a:rPr lang="en-US" sz="2400" dirty="0" smtClean="0"/>
-                        <a:t>1</a:t>
-                      </a:r>
-                      <a:endParaRPr lang="en-US" sz="2400" dirty="0"/>
-                    </a:p>
-                  </a:txBody>
-                  <a:tcPr>
-                    <a:solidFill>
-                      <a:schemeClr val="bg1">
-                        <a:lumMod val="65000"/>
-                      </a:schemeClr>
-                    </a:solidFill>
-                  </a:tcPr>
-                </a:tc>
-                <a:tc>
-                  <a:txBody>
-                    <a:bodyPr/>
-                    <a:lstStyle/>
-                    <a:p>
-                      <a:pPr algn="ctr"/>
-                      <a:r>
-                        <a:rPr lang="en-US" sz="2400" dirty="0" smtClean="0"/>
-                        <a:t>1</a:t>
-                      </a:r>
-                      <a:endParaRPr lang="en-US" sz="2400" dirty="0"/>
-                    </a:p>
-                  </a:txBody>
-                  <a:tcPr>
-                    <a:solidFill>
-                      <a:schemeClr val="bg1">
-                        <a:lumMod val="65000"/>
-                      </a:schemeClr>
-                    </a:solidFill>
-                  </a:tcPr>
-                </a:tc>
-                <a:extLst>
-                  <a:ext uri="{0D108BD9-81ED-4DB2-BD59-A6C34878D82A}">
-                    <a16:rowId xmlns:a16="http://schemas.microsoft.com/office/drawing/2014/main" val="2495999131"/>
-                  </a:ext>
-                </a:extLst>
-              </a:tr>
-              <a:tr h="370840">
-                <a:tc>
-                  <a:txBody>
-                    <a:bodyPr/>
-                    <a:lstStyle/>
-                    <a:p>
-                      <a:pPr algn="ctr"/>
-                      <a:endParaRPr lang="en-US" sz="2400" dirty="0"/>
-                    </a:p>
-                  </a:txBody>
-                  <a:tcPr>
-                    <a:solidFill>
-                      <a:schemeClr val="bg1">
-                        <a:lumMod val="65000"/>
-                      </a:schemeClr>
-                    </a:solidFill>
-                  </a:tcPr>
-                </a:tc>
-                <a:tc>
-                  <a:txBody>
-                    <a:bodyPr/>
-                    <a:lstStyle/>
-                    <a:p>
-                      <a:pPr algn="ctr"/>
-                      <a:endParaRPr lang="en-US" sz="2400"/>
-                    </a:p>
-                  </a:txBody>
-                  <a:tcPr>
-                    <a:solidFill>
-                      <a:schemeClr val="bg1">
-                        <a:lumMod val="65000"/>
-                      </a:schemeClr>
-                    </a:solidFill>
-                  </a:tcPr>
-                </a:tc>
-                <a:tc>
-                  <a:txBody>
-                    <a:bodyPr/>
-                    <a:lstStyle/>
-                    <a:p>
-                      <a:pPr algn="ctr"/>
-                      <a:r>
-                        <a:rPr lang="en-US" sz="2400" dirty="0" smtClean="0"/>
-                        <a:t>1</a:t>
-                      </a:r>
-                      <a:endParaRPr lang="en-US" sz="2400" dirty="0"/>
-                    </a:p>
-                  </a:txBody>
-                  <a:tcPr>
-                    <a:solidFill>
-                      <a:schemeClr val="bg1">
-                        <a:lumMod val="65000"/>
-                      </a:schemeClr>
-                    </a:solidFill>
-                  </a:tcPr>
-                </a:tc>
-                <a:tc>
-                  <a:txBody>
-                    <a:bodyPr/>
-                    <a:lstStyle/>
-                    <a:p>
-                      <a:pPr algn="ctr"/>
-                      <a:endParaRPr lang="en-US" sz="2400" dirty="0"/>
-                    </a:p>
-                  </a:txBody>
-                  <a:tcPr>
-                    <a:solidFill>
-                      <a:schemeClr val="bg1">
-                        <a:lumMod val="65000"/>
-                      </a:schemeClr>
-                    </a:solidFill>
-                  </a:tcPr>
-                </a:tc>
-                <a:extLst>
-                  <a:ext uri="{0D108BD9-81ED-4DB2-BD59-A6C34878D82A}">
-                    <a16:rowId xmlns:a16="http://schemas.microsoft.com/office/drawing/2014/main" val="3902145513"/>
-                  </a:ext>
-                </a:extLst>
-              </a:tr>
-              <a:tr h="370840">
-                <a:tc>
-                  <a:txBody>
-                    <a:bodyPr/>
-                    <a:lstStyle/>
-                    <a:p>
-                      <a:pPr algn="ctr"/>
-                      <a:endParaRPr lang="en-US" sz="2400" dirty="0"/>
-                    </a:p>
-                  </a:txBody>
-                  <a:tcPr>
-                    <a:solidFill>
-                      <a:schemeClr val="bg1">
-                        <a:lumMod val="65000"/>
-                      </a:schemeClr>
-                    </a:solidFill>
-                  </a:tcPr>
-                </a:tc>
-                <a:tc>
-                  <a:txBody>
-                    <a:bodyPr/>
-                    <a:lstStyle/>
-                    <a:p>
-                      <a:pPr algn="ctr"/>
-                      <a:r>
-                        <a:rPr lang="en-US" sz="2400" dirty="0" smtClean="0"/>
-                        <a:t>1</a:t>
-                      </a:r>
-                      <a:endParaRPr lang="en-US" sz="2400" dirty="0"/>
-                    </a:p>
-                  </a:txBody>
-                  <a:tcPr/>
-                </a:tc>
-                <a:tc>
-                  <a:txBody>
-                    <a:bodyPr/>
-                    <a:lstStyle/>
-                    <a:p>
-                      <a:pPr algn="ctr"/>
-                      <a:endParaRPr lang="en-US" sz="2400" dirty="0"/>
-                    </a:p>
-                  </a:txBody>
-                  <a:tcPr>
-                    <a:solidFill>
-                      <a:schemeClr val="bg1">
-                        <a:lumMod val="65000"/>
-                      </a:schemeClr>
-                    </a:solidFill>
-                  </a:tcPr>
-                </a:tc>
-                <a:tc>
-                  <a:txBody>
-                    <a:bodyPr/>
-                    <a:lstStyle/>
-                    <a:p>
-                      <a:pPr algn="ctr"/>
-                      <a:r>
-                        <a:rPr lang="en-US" sz="2400" dirty="0" smtClean="0"/>
-                        <a:t>1</a:t>
-                      </a:r>
-                      <a:endParaRPr lang="en-US" sz="2400" dirty="0"/>
-                    </a:p>
-                  </a:txBody>
-                  <a:tcPr/>
-                </a:tc>
-                <a:extLst>
-                  <a:ext uri="{0D108BD9-81ED-4DB2-BD59-A6C34878D82A}">
-                    <a16:rowId xmlns:a16="http://schemas.microsoft.com/office/drawing/2014/main" val="324534612"/>
-                  </a:ext>
-                </a:extLst>
-              </a:tr>
-            </a:tbl>
-          </a:graphicData>
-        </a:graphic>
-      </p:graphicFrame>
-      <p:grpSp>
-        <p:nvGrpSpPr>
-          <p:cNvPr id="65" name="Group 64"/>
-          <p:cNvGrpSpPr/>
-          <p:nvPr/>
-        </p:nvGrpSpPr>
-        <p:grpSpPr>
-          <a:xfrm>
-            <a:off x="4501244" y="2814697"/>
-            <a:ext cx="3381003" cy="2747903"/>
-            <a:chOff x="4501244" y="2814697"/>
-            <a:chExt cx="3381003" cy="2747903"/>
-          </a:xfrm>
-        </p:grpSpPr>
-        <p:sp>
-          <p:nvSpPr>
-            <p:cNvPr id="48" name="TextBox 47"/>
-            <p:cNvSpPr txBox="1"/>
-            <p:nvPr/>
-          </p:nvSpPr>
-          <p:spPr>
-            <a:xfrm>
-              <a:off x="5867400" y="3028438"/>
-              <a:ext cx="301686" cy="369332"/>
-            </a:xfrm>
-            <a:prstGeom prst="rect">
-              <a:avLst/>
-            </a:prstGeom>
-            <a:noFill/>
-          </p:spPr>
-          <p:txBody>
-            <a:bodyPr wrap="none" rtlCol="0">
-              <a:spAutoFit/>
-            </a:bodyPr>
-            <a:lstStyle/>
-            <a:p>
-              <a:r>
-                <a:rPr lang="en-US" dirty="0" smtClean="0">
-                  <a:solidFill>
-                    <a:srgbClr val="0000FF"/>
-                  </a:solidFill>
-                </a:rPr>
-                <a:t>1</a:t>
-              </a:r>
-              <a:endParaRPr lang="en-US" dirty="0">
-                <a:solidFill>
-                  <a:srgbClr val="0000FF"/>
-                </a:solidFill>
-              </a:endParaRPr>
-            </a:p>
-          </p:txBody>
-        </p:sp>
-        <p:sp>
-          <p:nvSpPr>
-            <p:cNvPr id="49" name="TextBox 48"/>
-            <p:cNvSpPr txBox="1"/>
-            <p:nvPr/>
-          </p:nvSpPr>
-          <p:spPr>
-            <a:xfrm>
-              <a:off x="6448447" y="3028438"/>
-              <a:ext cx="301686" cy="369332"/>
-            </a:xfrm>
-            <a:prstGeom prst="rect">
-              <a:avLst/>
-            </a:prstGeom>
-            <a:noFill/>
-          </p:spPr>
-          <p:txBody>
-            <a:bodyPr wrap="none" rtlCol="0">
-              <a:spAutoFit/>
-            </a:bodyPr>
-            <a:lstStyle/>
-            <a:p>
-              <a:r>
-                <a:rPr lang="en-US" dirty="0">
-                  <a:solidFill>
-                    <a:srgbClr val="0000FF"/>
-                  </a:solidFill>
-                </a:rPr>
-                <a:t>2</a:t>
-              </a:r>
-            </a:p>
-          </p:txBody>
-        </p:sp>
-        <p:sp>
-          <p:nvSpPr>
-            <p:cNvPr id="50" name="TextBox 49"/>
-            <p:cNvSpPr txBox="1"/>
-            <p:nvPr/>
-          </p:nvSpPr>
-          <p:spPr>
-            <a:xfrm>
-              <a:off x="7014504" y="3028438"/>
-              <a:ext cx="301686" cy="369332"/>
-            </a:xfrm>
-            <a:prstGeom prst="rect">
-              <a:avLst/>
-            </a:prstGeom>
-            <a:noFill/>
-          </p:spPr>
-          <p:txBody>
-            <a:bodyPr wrap="none" rtlCol="0">
-              <a:spAutoFit/>
-            </a:bodyPr>
-            <a:lstStyle/>
-            <a:p>
-              <a:r>
-                <a:rPr lang="en-US" dirty="0" smtClean="0">
-                  <a:solidFill>
-                    <a:srgbClr val="0000FF"/>
-                  </a:solidFill>
-                </a:rPr>
-                <a:t>3</a:t>
-              </a:r>
-              <a:endParaRPr lang="en-US" dirty="0">
-                <a:solidFill>
-                  <a:srgbClr val="0000FF"/>
-                </a:solidFill>
-              </a:endParaRPr>
-            </a:p>
-          </p:txBody>
-        </p:sp>
-        <p:sp>
-          <p:nvSpPr>
-            <p:cNvPr id="51" name="TextBox 50"/>
-            <p:cNvSpPr txBox="1"/>
-            <p:nvPr/>
-          </p:nvSpPr>
-          <p:spPr>
-            <a:xfrm>
-              <a:off x="7580561" y="3028438"/>
-              <a:ext cx="301686" cy="369332"/>
-            </a:xfrm>
-            <a:prstGeom prst="rect">
-              <a:avLst/>
-            </a:prstGeom>
-            <a:noFill/>
-          </p:spPr>
-          <p:txBody>
-            <a:bodyPr wrap="none" rtlCol="0">
-              <a:spAutoFit/>
-            </a:bodyPr>
-            <a:lstStyle/>
-            <a:p>
-              <a:r>
-                <a:rPr lang="en-US" dirty="0">
-                  <a:solidFill>
-                    <a:srgbClr val="0000FF"/>
-                  </a:solidFill>
-                </a:rPr>
-                <a:t>6</a:t>
-              </a:r>
-            </a:p>
-          </p:txBody>
-        </p:sp>
-        <p:sp>
-          <p:nvSpPr>
-            <p:cNvPr id="52" name="TextBox 51"/>
-            <p:cNvSpPr txBox="1"/>
-            <p:nvPr/>
-          </p:nvSpPr>
-          <p:spPr>
-            <a:xfrm>
-              <a:off x="5413314" y="3376336"/>
-              <a:ext cx="301686" cy="369332"/>
-            </a:xfrm>
-            <a:prstGeom prst="rect">
-              <a:avLst/>
-            </a:prstGeom>
-            <a:noFill/>
-          </p:spPr>
-          <p:txBody>
-            <a:bodyPr wrap="none" rtlCol="0">
-              <a:spAutoFit/>
-            </a:bodyPr>
-            <a:lstStyle/>
-            <a:p>
-              <a:r>
-                <a:rPr lang="en-US" dirty="0" smtClean="0">
-                  <a:solidFill>
-                    <a:srgbClr val="0000FF"/>
-                  </a:solidFill>
-                </a:rPr>
-                <a:t>1</a:t>
-              </a:r>
-              <a:endParaRPr lang="en-US" dirty="0">
-                <a:solidFill>
-                  <a:srgbClr val="0000FF"/>
-                </a:solidFill>
-              </a:endParaRPr>
-            </a:p>
-          </p:txBody>
-        </p:sp>
-        <p:sp>
-          <p:nvSpPr>
-            <p:cNvPr id="53" name="TextBox 52"/>
-            <p:cNvSpPr txBox="1"/>
-            <p:nvPr/>
-          </p:nvSpPr>
-          <p:spPr>
-            <a:xfrm>
-              <a:off x="5413314" y="3830569"/>
-              <a:ext cx="301686" cy="369332"/>
-            </a:xfrm>
-            <a:prstGeom prst="rect">
-              <a:avLst/>
-            </a:prstGeom>
-            <a:noFill/>
-          </p:spPr>
-          <p:txBody>
-            <a:bodyPr wrap="none" rtlCol="0">
-              <a:spAutoFit/>
-            </a:bodyPr>
-            <a:lstStyle/>
-            <a:p>
-              <a:r>
-                <a:rPr lang="en-US" dirty="0" smtClean="0">
-                  <a:solidFill>
-                    <a:srgbClr val="0000FF"/>
-                  </a:solidFill>
-                </a:rPr>
-                <a:t>3</a:t>
-              </a:r>
-              <a:endParaRPr lang="en-US" dirty="0">
-                <a:solidFill>
-                  <a:srgbClr val="0000FF"/>
-                </a:solidFill>
-              </a:endParaRPr>
-            </a:p>
-          </p:txBody>
-        </p:sp>
-        <p:sp>
-          <p:nvSpPr>
-            <p:cNvPr id="54" name="TextBox 53"/>
-            <p:cNvSpPr txBox="1"/>
-            <p:nvPr/>
-          </p:nvSpPr>
-          <p:spPr>
-            <a:xfrm>
-              <a:off x="5413314" y="4284802"/>
-              <a:ext cx="301686" cy="369332"/>
-            </a:xfrm>
-            <a:prstGeom prst="rect">
-              <a:avLst/>
-            </a:prstGeom>
-            <a:noFill/>
-          </p:spPr>
-          <p:txBody>
-            <a:bodyPr wrap="none" rtlCol="0">
-              <a:spAutoFit/>
-            </a:bodyPr>
-            <a:lstStyle/>
-            <a:p>
-              <a:r>
-                <a:rPr lang="en-US" dirty="0">
-                  <a:solidFill>
-                    <a:srgbClr val="0000FF"/>
-                  </a:solidFill>
-                </a:rPr>
-                <a:t>4</a:t>
-              </a:r>
-            </a:p>
-          </p:txBody>
-        </p:sp>
-        <p:sp>
-          <p:nvSpPr>
-            <p:cNvPr id="55" name="TextBox 54"/>
-            <p:cNvSpPr txBox="1"/>
-            <p:nvPr/>
-          </p:nvSpPr>
-          <p:spPr>
-            <a:xfrm>
-              <a:off x="5413314" y="4739035"/>
-              <a:ext cx="301686" cy="369332"/>
-            </a:xfrm>
-            <a:prstGeom prst="rect">
-              <a:avLst/>
-            </a:prstGeom>
-            <a:noFill/>
-          </p:spPr>
-          <p:txBody>
-            <a:bodyPr wrap="none" rtlCol="0">
-              <a:spAutoFit/>
-            </a:bodyPr>
-            <a:lstStyle/>
-            <a:p>
-              <a:r>
-                <a:rPr lang="en-US" dirty="0">
-                  <a:solidFill>
-                    <a:srgbClr val="0000FF"/>
-                  </a:solidFill>
-                </a:rPr>
-                <a:t>8</a:t>
-              </a:r>
-            </a:p>
-          </p:txBody>
-        </p:sp>
-        <p:sp>
-          <p:nvSpPr>
-            <p:cNvPr id="56" name="TextBox 55"/>
-            <p:cNvSpPr txBox="1"/>
-            <p:nvPr/>
-          </p:nvSpPr>
-          <p:spPr>
-            <a:xfrm>
-              <a:off x="5413314" y="5193268"/>
-              <a:ext cx="301686" cy="369332"/>
-            </a:xfrm>
-            <a:prstGeom prst="rect">
-              <a:avLst/>
-            </a:prstGeom>
-            <a:noFill/>
-          </p:spPr>
-          <p:txBody>
-            <a:bodyPr wrap="none" rtlCol="0">
-              <a:spAutoFit/>
-            </a:bodyPr>
-            <a:lstStyle/>
-            <a:p>
-              <a:r>
-                <a:rPr lang="en-US" dirty="0">
-                  <a:solidFill>
-                    <a:srgbClr val="0000FF"/>
-                  </a:solidFill>
-                </a:rPr>
-                <a:t>9</a:t>
-              </a:r>
-            </a:p>
-          </p:txBody>
-        </p:sp>
-        <p:cxnSp>
-          <p:nvCxnSpPr>
-            <p:cNvPr id="57" name="Straight Arrow Connector 56"/>
-            <p:cNvCxnSpPr/>
-            <p:nvPr/>
-          </p:nvCxnSpPr>
-          <p:spPr>
-            <a:xfrm>
-              <a:off x="4501244" y="2895600"/>
-              <a:ext cx="822448" cy="682512"/>
-            </a:xfrm>
-            <a:prstGeom prst="straightConnector1">
-              <a:avLst/>
-            </a:prstGeom>
-            <a:ln w="28575">
-              <a:solidFill>
-                <a:schemeClr val="tx1"/>
-              </a:solidFill>
-              <a:tailEnd type="triangle"/>
-            </a:ln>
-          </p:spPr>
-          <p:style>
-            <a:lnRef idx="1">
-              <a:schemeClr val="accent1"/>
-            </a:lnRef>
-            <a:fillRef idx="0">
-              <a:schemeClr val="accent1"/>
-            </a:fillRef>
-            <a:effectRef idx="0">
-              <a:schemeClr val="accent1"/>
-            </a:effectRef>
-            <a:fontRef idx="minor">
-              <a:schemeClr val="tx1"/>
-            </a:fontRef>
-          </p:style>
-        </p:cxnSp>
-        <p:sp>
-          <p:nvSpPr>
-            <p:cNvPr id="60" name="TextBox 59"/>
-            <p:cNvSpPr txBox="1"/>
-            <p:nvPr/>
-          </p:nvSpPr>
-          <p:spPr>
-            <a:xfrm>
-              <a:off x="4726703" y="2814697"/>
-              <a:ext cx="1442383" cy="369332"/>
-            </a:xfrm>
-            <a:prstGeom prst="rect">
-              <a:avLst/>
-            </a:prstGeom>
-            <a:noFill/>
-          </p:spPr>
-          <p:txBody>
-            <a:bodyPr wrap="none" rtlCol="0">
-              <a:spAutoFit/>
-            </a:bodyPr>
-            <a:lstStyle/>
-            <a:p>
-              <a:r>
-                <a:rPr lang="en-US" dirty="0" smtClean="0"/>
-                <a:t>Do not take 8</a:t>
-              </a:r>
-              <a:endParaRPr lang="en-US" dirty="0"/>
-            </a:p>
-          </p:txBody>
-        </p:sp>
-      </p:grpSp>
-      <p:sp>
-        <p:nvSpPr>
-          <p:cNvPr id="64" name="TextBox 63"/>
-          <p:cNvSpPr txBox="1"/>
-          <p:nvPr/>
-        </p:nvSpPr>
-        <p:spPr>
-          <a:xfrm>
-            <a:off x="1096298" y="5265542"/>
-            <a:ext cx="1686680" cy="523220"/>
-          </a:xfrm>
-          <a:prstGeom prst="rect">
-            <a:avLst/>
-          </a:prstGeom>
-          <a:noFill/>
-        </p:spPr>
-        <p:txBody>
-          <a:bodyPr wrap="none" rtlCol="0">
-            <a:spAutoFit/>
-          </a:bodyPr>
-          <a:lstStyle/>
-          <a:p>
-            <a:r>
-              <a:rPr lang="en-US" sz="2800" b="1" dirty="0" smtClean="0">
-                <a:solidFill>
-                  <a:srgbClr val="C00000"/>
-                </a:solidFill>
-              </a:rPr>
-              <a:t>{5, 8, 1, 3}</a:t>
-            </a:r>
-            <a:endParaRPr lang="en-US" sz="2800" b="1" dirty="0">
-              <a:solidFill>
-                <a:srgbClr val="C00000"/>
-              </a:solidFill>
-            </a:endParaRPr>
-          </a:p>
-        </p:txBody>
-      </p:sp>
-      <p:sp>
-        <p:nvSpPr>
-          <p:cNvPr id="66" name="TextBox 65"/>
-          <p:cNvSpPr txBox="1"/>
-          <p:nvPr/>
-        </p:nvSpPr>
-        <p:spPr>
-          <a:xfrm>
-            <a:off x="6063235" y="5725180"/>
-            <a:ext cx="1686680" cy="523220"/>
-          </a:xfrm>
-          <a:prstGeom prst="rect">
-            <a:avLst/>
-          </a:prstGeom>
-          <a:noFill/>
-        </p:spPr>
-        <p:txBody>
-          <a:bodyPr wrap="none" rtlCol="0">
-            <a:spAutoFit/>
-          </a:bodyPr>
-          <a:lstStyle/>
-          <a:p>
-            <a:r>
-              <a:rPr lang="en-US" sz="2800" b="1" dirty="0" smtClean="0">
-                <a:solidFill>
-                  <a:srgbClr val="C00000"/>
-                </a:solidFill>
-              </a:rPr>
-              <a:t>{5, 1, 3, 2}</a:t>
-            </a:r>
-            <a:endParaRPr lang="en-US" sz="2800" b="1" dirty="0">
-              <a:solidFill>
-                <a:srgbClr val="C00000"/>
-              </a:solidFill>
-            </a:endParaRPr>
-          </a:p>
-        </p:txBody>
-      </p:sp>
-      <p:grpSp>
-        <p:nvGrpSpPr>
-          <p:cNvPr id="68" name="Group 67"/>
-          <p:cNvGrpSpPr/>
-          <p:nvPr/>
-        </p:nvGrpSpPr>
-        <p:grpSpPr>
-          <a:xfrm>
-            <a:off x="6664494" y="134007"/>
-            <a:ext cx="1987211" cy="2468035"/>
-            <a:chOff x="6664494" y="134007"/>
-            <a:chExt cx="1987211" cy="2468035"/>
-          </a:xfrm>
-        </p:grpSpPr>
-        <p:sp>
-          <p:nvSpPr>
-            <p:cNvPr id="5" name="Oval 4"/>
-            <p:cNvSpPr/>
-            <p:nvPr/>
-          </p:nvSpPr>
-          <p:spPr>
-            <a:xfrm>
-              <a:off x="7467600" y="609600"/>
-              <a:ext cx="381000" cy="381000"/>
-            </a:xfrm>
-            <a:prstGeom prst="ellipse">
-              <a:avLst/>
-            </a:prstGeom>
-            <a:solidFill>
-              <a:schemeClr val="bg1"/>
-            </a:solidFill>
-            <a:ln>
-              <a:solidFill>
-                <a:schemeClr val="tx1"/>
-              </a:solidFill>
-            </a:ln>
-          </p:spPr>
-          <p:style>
-            <a:lnRef idx="2">
-              <a:schemeClr val="accent1">
-                <a:shade val="50000"/>
-              </a:schemeClr>
-            </a:lnRef>
-            <a:fillRef idx="1">
-              <a:schemeClr val="accent1"/>
-            </a:fillRef>
-            <a:effectRef idx="0">
-              <a:schemeClr val="accent1"/>
-            </a:effectRef>
-            <a:fontRef idx="minor">
-              <a:schemeClr val="lt1"/>
-            </a:fontRef>
-          </p:style>
-          <p:txBody>
-            <a:bodyPr rtlCol="0" anchor="ctr"/>
-            <a:lstStyle/>
-            <a:p>
-              <a:pPr algn="ctr"/>
-              <a:r>
-                <a:rPr lang="en-US" dirty="0" smtClean="0">
-                  <a:solidFill>
-                    <a:schemeClr val="tx1"/>
-                  </a:solidFill>
-                </a:rPr>
-                <a:t>1</a:t>
-              </a:r>
-              <a:endParaRPr lang="en-US" dirty="0">
-                <a:solidFill>
-                  <a:schemeClr val="tx1"/>
-                </a:solidFill>
-              </a:endParaRPr>
-            </a:p>
-          </p:txBody>
-        </p:sp>
-        <p:sp>
-          <p:nvSpPr>
-            <p:cNvPr id="27" name="Oval 26"/>
-            <p:cNvSpPr/>
-            <p:nvPr/>
-          </p:nvSpPr>
-          <p:spPr>
-            <a:xfrm>
-              <a:off x="6858000" y="1333400"/>
-              <a:ext cx="381000" cy="381000"/>
-            </a:xfrm>
-            <a:prstGeom prst="ellipse">
-              <a:avLst/>
-            </a:prstGeom>
-            <a:solidFill>
-              <a:schemeClr val="bg1"/>
-            </a:solidFill>
-            <a:ln>
-              <a:solidFill>
-                <a:schemeClr val="tx1"/>
-              </a:solidFill>
-            </a:ln>
-          </p:spPr>
-          <p:style>
-            <a:lnRef idx="2">
-              <a:schemeClr val="accent1">
-                <a:shade val="50000"/>
-              </a:schemeClr>
-            </a:lnRef>
-            <a:fillRef idx="1">
-              <a:schemeClr val="accent1"/>
-            </a:fillRef>
-            <a:effectRef idx="0">
-              <a:schemeClr val="accent1"/>
-            </a:effectRef>
-            <a:fontRef idx="minor">
-              <a:schemeClr val="lt1"/>
-            </a:fontRef>
-          </p:style>
-          <p:txBody>
-            <a:bodyPr rtlCol="0" anchor="ctr"/>
-            <a:lstStyle/>
-            <a:p>
-              <a:pPr algn="ctr"/>
-              <a:r>
-                <a:rPr lang="en-US" dirty="0">
-                  <a:solidFill>
-                    <a:schemeClr val="tx1"/>
-                  </a:solidFill>
-                </a:rPr>
-                <a:t>4</a:t>
-              </a:r>
-            </a:p>
-          </p:txBody>
-        </p:sp>
-        <p:sp>
-          <p:nvSpPr>
-            <p:cNvPr id="28" name="Oval 27"/>
-            <p:cNvSpPr/>
-            <p:nvPr/>
-          </p:nvSpPr>
-          <p:spPr>
-            <a:xfrm>
-              <a:off x="6858000" y="2217475"/>
-              <a:ext cx="381000" cy="381000"/>
-            </a:xfrm>
-            <a:prstGeom prst="ellipse">
-              <a:avLst/>
-            </a:prstGeom>
-            <a:solidFill>
-              <a:schemeClr val="bg1"/>
-            </a:solidFill>
-            <a:ln>
-              <a:solidFill>
-                <a:schemeClr val="tx1"/>
-              </a:solidFill>
-            </a:ln>
-          </p:spPr>
-          <p:style>
-            <a:lnRef idx="2">
-              <a:schemeClr val="accent1">
-                <a:shade val="50000"/>
-              </a:schemeClr>
-            </a:lnRef>
-            <a:fillRef idx="1">
-              <a:schemeClr val="accent1"/>
-            </a:fillRef>
-            <a:effectRef idx="0">
-              <a:schemeClr val="accent1"/>
-            </a:effectRef>
-            <a:fontRef idx="minor">
-              <a:schemeClr val="lt1"/>
-            </a:fontRef>
-          </p:style>
-          <p:txBody>
-            <a:bodyPr rtlCol="0" anchor="ctr"/>
-            <a:lstStyle/>
-            <a:p>
-              <a:pPr algn="ctr"/>
-              <a:r>
-                <a:rPr lang="en-US" dirty="0" smtClean="0">
-                  <a:solidFill>
-                    <a:schemeClr val="tx1"/>
-                  </a:solidFill>
-                </a:rPr>
-                <a:t>3</a:t>
-              </a:r>
-              <a:endParaRPr lang="en-US" dirty="0">
-                <a:solidFill>
-                  <a:schemeClr val="tx1"/>
-                </a:solidFill>
-              </a:endParaRPr>
-            </a:p>
-          </p:txBody>
-        </p:sp>
-        <p:sp>
-          <p:nvSpPr>
-            <p:cNvPr id="29" name="Oval 28"/>
-            <p:cNvSpPr/>
-            <p:nvPr/>
-          </p:nvSpPr>
-          <p:spPr>
-            <a:xfrm>
-              <a:off x="8077200" y="1327566"/>
-              <a:ext cx="381000" cy="381000"/>
-            </a:xfrm>
-            <a:prstGeom prst="ellipse">
-              <a:avLst/>
-            </a:prstGeom>
-            <a:solidFill>
-              <a:schemeClr val="bg1"/>
-            </a:solidFill>
-            <a:ln>
-              <a:solidFill>
-                <a:schemeClr val="tx1"/>
-              </a:solidFill>
-            </a:ln>
-          </p:spPr>
-          <p:style>
-            <a:lnRef idx="2">
-              <a:schemeClr val="accent1">
-                <a:shade val="50000"/>
-              </a:schemeClr>
-            </a:lnRef>
-            <a:fillRef idx="1">
-              <a:schemeClr val="accent1"/>
-            </a:fillRef>
-            <a:effectRef idx="0">
-              <a:schemeClr val="accent1"/>
-            </a:effectRef>
-            <a:fontRef idx="minor">
-              <a:schemeClr val="lt1"/>
-            </a:fontRef>
-          </p:style>
-          <p:txBody>
-            <a:bodyPr rtlCol="0" anchor="ctr"/>
-            <a:lstStyle/>
-            <a:p>
-              <a:pPr algn="ctr"/>
-              <a:r>
-                <a:rPr lang="en-US" dirty="0" smtClean="0">
-                  <a:solidFill>
-                    <a:schemeClr val="tx1"/>
-                  </a:solidFill>
-                </a:rPr>
-                <a:t>8</a:t>
-              </a:r>
-              <a:endParaRPr lang="en-US" dirty="0">
-                <a:solidFill>
-                  <a:schemeClr val="tx1"/>
-                </a:solidFill>
-              </a:endParaRPr>
-            </a:p>
-          </p:txBody>
-        </p:sp>
-        <p:sp>
-          <p:nvSpPr>
-            <p:cNvPr id="30" name="Oval 29"/>
-            <p:cNvSpPr/>
-            <p:nvPr/>
-          </p:nvSpPr>
-          <p:spPr>
-            <a:xfrm>
-              <a:off x="8077200" y="2221042"/>
-              <a:ext cx="381000" cy="381000"/>
-            </a:xfrm>
-            <a:prstGeom prst="ellipse">
-              <a:avLst/>
-            </a:prstGeom>
-            <a:solidFill>
-              <a:schemeClr val="bg1"/>
-            </a:solidFill>
-            <a:ln>
-              <a:solidFill>
-                <a:schemeClr val="tx1"/>
-              </a:solidFill>
-            </a:ln>
-          </p:spPr>
-          <p:style>
-            <a:lnRef idx="2">
-              <a:schemeClr val="accent1">
-                <a:shade val="50000"/>
-              </a:schemeClr>
-            </a:lnRef>
-            <a:fillRef idx="1">
-              <a:schemeClr val="accent1"/>
-            </a:fillRef>
-            <a:effectRef idx="0">
-              <a:schemeClr val="accent1"/>
-            </a:effectRef>
-            <a:fontRef idx="minor">
-              <a:schemeClr val="lt1"/>
-            </a:fontRef>
-          </p:style>
-          <p:txBody>
-            <a:bodyPr rtlCol="0" anchor="ctr"/>
-            <a:lstStyle/>
-            <a:p>
-              <a:pPr algn="ctr"/>
-              <a:r>
-                <a:rPr lang="en-US" dirty="0">
-                  <a:solidFill>
-                    <a:schemeClr val="tx1"/>
-                  </a:solidFill>
-                </a:rPr>
-                <a:t>9</a:t>
-              </a:r>
-            </a:p>
-          </p:txBody>
-        </p:sp>
-        <p:cxnSp>
-          <p:nvCxnSpPr>
-            <p:cNvPr id="32" name="Straight Connector 31"/>
-            <p:cNvCxnSpPr>
-              <a:stCxn id="5" idx="5"/>
-              <a:endCxn id="29" idx="1"/>
-            </p:cNvCxnSpPr>
-            <p:nvPr/>
-          </p:nvCxnSpPr>
-          <p:spPr>
-            <a:xfrm>
-              <a:off x="7792804" y="934804"/>
-              <a:ext cx="340192" cy="448558"/>
-            </a:xfrm>
-            <a:prstGeom prst="line">
-              <a:avLst/>
-            </a:prstGeom>
-            <a:ln w="28575">
-              <a:solidFill>
-                <a:schemeClr val="tx1"/>
-              </a:solidFill>
-            </a:ln>
-          </p:spPr>
-          <p:style>
-            <a:lnRef idx="1">
-              <a:schemeClr val="accent1"/>
-            </a:lnRef>
-            <a:fillRef idx="0">
-              <a:schemeClr val="accent1"/>
-            </a:fillRef>
-            <a:effectRef idx="0">
-              <a:schemeClr val="accent1"/>
-            </a:effectRef>
-            <a:fontRef idx="minor">
-              <a:schemeClr val="tx1"/>
-            </a:fontRef>
-          </p:style>
-        </p:cxnSp>
-        <p:cxnSp>
-          <p:nvCxnSpPr>
-            <p:cNvPr id="38" name="Straight Connector 37"/>
-            <p:cNvCxnSpPr>
-              <a:stCxn id="28" idx="0"/>
-              <a:endCxn id="27" idx="4"/>
-            </p:cNvCxnSpPr>
-            <p:nvPr/>
-          </p:nvCxnSpPr>
-          <p:spPr>
-            <a:xfrm flipV="1">
-              <a:off x="7048500" y="1714400"/>
-              <a:ext cx="0" cy="503075"/>
-            </a:xfrm>
-            <a:prstGeom prst="line">
-              <a:avLst/>
-            </a:prstGeom>
-            <a:ln w="28575">
-              <a:solidFill>
-                <a:schemeClr val="tx1"/>
-              </a:solidFill>
-            </a:ln>
-          </p:spPr>
-          <p:style>
-            <a:lnRef idx="1">
-              <a:schemeClr val="accent1"/>
-            </a:lnRef>
-            <a:fillRef idx="0">
-              <a:schemeClr val="accent1"/>
-            </a:fillRef>
-            <a:effectRef idx="0">
-              <a:schemeClr val="accent1"/>
-            </a:effectRef>
-            <a:fontRef idx="minor">
-              <a:schemeClr val="tx1"/>
-            </a:fontRef>
-          </p:style>
-        </p:cxnSp>
-        <p:cxnSp>
-          <p:nvCxnSpPr>
-            <p:cNvPr id="40" name="Straight Connector 39"/>
-            <p:cNvCxnSpPr>
-              <a:stCxn id="27" idx="7"/>
-              <a:endCxn id="5" idx="3"/>
-            </p:cNvCxnSpPr>
-            <p:nvPr/>
-          </p:nvCxnSpPr>
-          <p:spPr>
-            <a:xfrm flipV="1">
-              <a:off x="7183204" y="934804"/>
-              <a:ext cx="340192" cy="454392"/>
-            </a:xfrm>
-            <a:prstGeom prst="line">
-              <a:avLst/>
-            </a:prstGeom>
-            <a:ln w="28575">
-              <a:solidFill>
-                <a:schemeClr val="tx1"/>
-              </a:solidFill>
-            </a:ln>
-          </p:spPr>
-          <p:style>
-            <a:lnRef idx="1">
-              <a:schemeClr val="accent1"/>
-            </a:lnRef>
-            <a:fillRef idx="0">
-              <a:schemeClr val="accent1"/>
-            </a:fillRef>
-            <a:effectRef idx="0">
-              <a:schemeClr val="accent1"/>
-            </a:effectRef>
-            <a:fontRef idx="minor">
-              <a:schemeClr val="tx1"/>
-            </a:fontRef>
-          </p:style>
-        </p:cxnSp>
-        <p:sp>
-          <p:nvSpPr>
-            <p:cNvPr id="67" name="TextBox 66"/>
-            <p:cNvSpPr txBox="1"/>
-            <p:nvPr/>
-          </p:nvSpPr>
-          <p:spPr>
-            <a:xfrm>
-              <a:off x="6664494" y="134007"/>
-              <a:ext cx="1987211" cy="369332"/>
-            </a:xfrm>
-            <a:prstGeom prst="rect">
-              <a:avLst/>
-            </a:prstGeom>
-            <a:noFill/>
-          </p:spPr>
-          <p:txBody>
-            <a:bodyPr wrap="none" rtlCol="0">
-              <a:spAutoFit/>
-            </a:bodyPr>
-            <a:lstStyle/>
-            <a:p>
-              <a:r>
-                <a:rPr lang="en-US" dirty="0" smtClean="0"/>
-                <a:t>Row independence</a:t>
-              </a:r>
-              <a:endParaRPr lang="en-US" dirty="0"/>
-            </a:p>
-          </p:txBody>
-        </p:sp>
-      </p:grpSp>
-      <p:sp>
-        <p:nvSpPr>
-          <p:cNvPr id="69" name="TextBox 68"/>
-          <p:cNvSpPr txBox="1"/>
-          <p:nvPr/>
-        </p:nvSpPr>
-        <p:spPr>
-          <a:xfrm>
-            <a:off x="351471" y="1274171"/>
-            <a:ext cx="2212465" cy="369332"/>
-          </a:xfrm>
-          <a:prstGeom prst="rect">
-            <a:avLst/>
-          </a:prstGeom>
-          <a:noFill/>
-          <a:ln>
-            <a:solidFill>
-              <a:schemeClr val="tx1"/>
-            </a:solidFill>
-          </a:ln>
-        </p:spPr>
-        <p:txBody>
-          <a:bodyPr wrap="none" rtlCol="0">
-            <a:spAutoFit/>
-          </a:bodyPr>
-          <a:lstStyle/>
-          <a:p>
-            <a:r>
-              <a:rPr lang="en-US" b="1" dirty="0" smtClean="0">
-                <a:solidFill>
-                  <a:srgbClr val="C00000"/>
-                </a:solidFill>
-              </a:rPr>
-              <a:t>5 in the final solution</a:t>
-            </a:r>
-            <a:endParaRPr lang="en-US" b="1" dirty="0">
-              <a:solidFill>
-                <a:srgbClr val="C00000"/>
-              </a:solidFill>
-            </a:endParaRPr>
-          </a:p>
-        </p:txBody>
-      </p:sp>
-    </p:spTree>
-    <p:extLst>
-      <p:ext uri="{BB962C8B-B14F-4D97-AF65-F5344CB8AC3E}">
-        <p14:creationId xmlns:p14="http://schemas.microsoft.com/office/powerpoint/2010/main" val="2374108862"/>
-      </p:ext>
-    </p:extLst>
-  </p:cSld>
-  <p:clrMapOvr>
-    <a:masterClrMapping/>
-  </p:clrMapOvr>
-  <p:timing>
-    <p:tnLst>
-      <p:par>
-        <p:cTn id="1" dur="indefinite" restart="never" nodeType="tmRoot">
-          <p:childTnLst>
-            <p:seq concurrent="1" nextAc="seek">
-              <p:cTn id="2" dur="indefinite" nodeType="mainSeq">
-                <p:childTnLst>
                   <p:par>
-                    <p:cTn id="3" fill="hold">
+                    <p:cTn id="30" fill="hold">
                       <p:stCondLst>
                         <p:cond delay="indefinite"/>
                       </p:stCondLst>
                       <p:childTnLst>
                         <p:par>
-                          <p:cTn id="4" fill="hold">
+                          <p:cTn id="31" fill="hold">
                             <p:stCondLst>
                               <p:cond delay="0"/>
                             </p:stCondLst>
                             <p:childTnLst>
                               <p:par>
-                                <p:cTn id="5" presetID="42" presetClass="entr" presetSubtype="0" fill="hold" grpId="0" nodeType="clickEffect">
+                                <p:cTn id="32" presetID="2" presetClass="entr" presetSubtype="4" fill="hold" nodeType="clickEffect">
                                   <p:stCondLst>
                                     <p:cond delay="0"/>
                                   </p:stCondLst>
                                   <p:childTnLst>
                                     <p:set>
                                       <p:cBhvr>
-                                        <p:cTn id="6" dur="1" fill="hold">
+                                        <p:cTn id="33" dur="1" fill="hold">
                                           <p:stCondLst>
                                             <p:cond delay="0"/>
                                           </p:stCondLst>
                                         </p:cTn>
                                         <p:tgtEl>
-                                          <p:spTgt spid="66"/>
+                                          <p:spTgt spid="58"/>
+                                        </p:tgtEl>
+                                        <p:attrNameLst>
+                                          <p:attrName>style.visibility</p:attrName>
+                                        </p:attrNameLst>
+                                      </p:cBhvr>
+                                      <p:to>
+                                        <p:strVal val="visible"/>
+                                      </p:to>
+                                    </p:set>
+                                    <p:anim calcmode="lin" valueType="num">
+                                      <p:cBhvr additive="base">
+                                        <p:cTn id="34" dur="500" fill="hold"/>
+                                        <p:tgtEl>
+                                          <p:spTgt spid="58"/>
+                                        </p:tgtEl>
+                                        <p:attrNameLst>
+                                          <p:attrName>ppt_x</p:attrName>
+                                        </p:attrNameLst>
+                                      </p:cBhvr>
+                                      <p:tavLst>
+                                        <p:tav tm="0">
+                                          <p:val>
+                                            <p:strVal val="#ppt_x"/>
+                                          </p:val>
+                                        </p:tav>
+                                        <p:tav tm="100000">
+                                          <p:val>
+                                            <p:strVal val="#ppt_x"/>
+                                          </p:val>
+                                        </p:tav>
+                                      </p:tavLst>
+                                    </p:anim>
+                                    <p:anim calcmode="lin" valueType="num">
+                                      <p:cBhvr additive="base">
+                                        <p:cTn id="35" dur="500" fill="hold"/>
+                                        <p:tgtEl>
+                                          <p:spTgt spid="58"/>
+                                        </p:tgtEl>
+                                        <p:attrNameLst>
+                                          <p:attrName>ppt_y</p:attrName>
+                                        </p:attrNameLst>
+                                      </p:cBhvr>
+                                      <p:tavLst>
+                                        <p:tav tm="0">
+                                          <p:val>
+                                            <p:strVal val="1+#ppt_h/2"/>
+                                          </p:val>
+                                        </p:tav>
+                                        <p:tav tm="100000">
+                                          <p:val>
+                                            <p:strVal val="#ppt_y"/>
+                                          </p:val>
+                                        </p:tav>
+                                      </p:tavLst>
+                                    </p:anim>
+                                  </p:childTnLst>
+                                </p:cTn>
+                              </p:par>
+                            </p:childTnLst>
+                          </p:cTn>
+                        </p:par>
+                      </p:childTnLst>
+                    </p:cTn>
+                  </p:par>
+                  <p:par>
+                    <p:cTn id="36" fill="hold">
+                      <p:stCondLst>
+                        <p:cond delay="indefinite"/>
+                      </p:stCondLst>
+                      <p:childTnLst>
+                        <p:par>
+                          <p:cTn id="37" fill="hold">
+                            <p:stCondLst>
+                              <p:cond delay="0"/>
+                            </p:stCondLst>
+                            <p:childTnLst>
+                              <p:par>
+                                <p:cTn id="38" presetID="10" presetClass="entr" presetSubtype="0" fill="hold" grpId="0" nodeType="clickEffect">
+                                  <p:stCondLst>
+                                    <p:cond delay="0"/>
+                                  </p:stCondLst>
+                                  <p:childTnLst>
+                                    <p:set>
+                                      <p:cBhvr>
+                                        <p:cTn id="39" dur="1" fill="hold">
+                                          <p:stCondLst>
+                                            <p:cond delay="0"/>
+                                          </p:stCondLst>
+                                        </p:cTn>
+                                        <p:tgtEl>
+                                          <p:spTgt spid="80"/>
                                         </p:tgtEl>
                                         <p:attrNameLst>
                                           <p:attrName>style.visibility</p:attrName>
@@ -22474,17 +20568,70 @@
                                     </p:set>
                                     <p:animEffect transition="in" filter="fade">
                                       <p:cBhvr>
-                                        <p:cTn id="7" dur="1000"/>
+                                        <p:cTn id="40" dur="500"/>
                                         <p:tgtEl>
-                                          <p:spTgt spid="66"/>
+                                          <p:spTgt spid="80"/>
+                                        </p:tgtEl>
+                                      </p:cBhvr>
+                                    </p:animEffect>
+                                  </p:childTnLst>
+                                </p:cTn>
+                              </p:par>
+                            </p:childTnLst>
+                          </p:cTn>
+                        </p:par>
+                      </p:childTnLst>
+                    </p:cTn>
+                  </p:par>
+                  <p:par>
+                    <p:cTn id="41" fill="hold">
+                      <p:stCondLst>
+                        <p:cond delay="indefinite"/>
+                      </p:stCondLst>
+                      <p:childTnLst>
+                        <p:par>
+                          <p:cTn id="42" fill="hold">
+                            <p:stCondLst>
+                              <p:cond delay="0"/>
+                            </p:stCondLst>
+                            <p:childTnLst>
+                              <p:par>
+                                <p:cTn id="43" presetID="42" presetClass="entr" presetSubtype="0" fill="hold" grpId="0" nodeType="clickEffect">
+                                  <p:stCondLst>
+                                    <p:cond delay="0"/>
+                                  </p:stCondLst>
+                                  <p:childTnLst>
+                                    <p:set>
+                                      <p:cBhvr>
+                                        <p:cTn id="44" dur="1" fill="hold">
+                                          <p:stCondLst>
+                                            <p:cond delay="0"/>
+                                          </p:stCondLst>
+                                        </p:cTn>
+                                        <p:tgtEl>
+                                          <p:spTgt spid="79"/>
+                                        </p:tgtEl>
+                                        <p:attrNameLst>
+                                          <p:attrName>style.visibility</p:attrName>
+                                        </p:attrNameLst>
+                                      </p:cBhvr>
+                                      <p:to>
+                                        <p:strVal val="visible"/>
+                                      </p:to>
+                                    </p:set>
+                                    <p:animEffect transition="in" filter="fade">
+                                      <p:cBhvr>
+                                        <p:cTn id="45" dur="1000"/>
+                                        <p:tgtEl>
+                                          <p:spTgt spid="79"/>
                                         </p:tgtEl>
                                       </p:cBhvr>
                                     </p:animEffect>
                                     <p:anim calcmode="lin" valueType="num">
                                       <p:cBhvr>
-                                        <p:cTn id="8" dur="1000" fill="hold"/>
+                                        <p:cTn id="46" dur="1000" fill="hold"/>
                                         <p:tgtEl>
-                                          <p:spTgt spid="66"/>
+                                          <p:spTgt spid="79"/>
                                         </p:tgtEl>
                                         <p:attrNameLst>
                                           <p:attrName>ppt_x</p:attrName>
@@ -22505,9 +20652,9 @@
                                     </p:anim>
                                     <p:anim calcmode="lin" valueType="num">
                                       <p:cBhvr>
-                                        <p:cTn id="9" dur="1000" fill="hold"/>
+                                        <p:cTn id="47" dur="1000" fill="hold"/>
                                         <p:tgtEl>
-                                          <p:spTgt spid="66"/>
+                                          <p:spTgt spid="79"/>
                                         </p:tgtEl>
                                         <p:attrNameLst>
                                           <p:attrName>ppt_y</p:attrName>
@@ -22526,6 +20673,51 @@
                                         </p:tav>
                                       </p:tavLst>
                                     </p:anim>
+                                  </p:childTnLst>
+                                </p:cTn>
+                              </p:par>
+                            </p:childTnLst>
+                          </p:cTn>
+                        </p:par>
+                      </p:childTnLst>
+                    </p:cTn>
+                  </p:par>
+                  <p:par>
+                    <p:cTn id="48" fill="hold">
+                      <p:stCondLst>
+                        <p:cond delay="indefinite"/>
+                      </p:stCondLst>
+                      <p:childTnLst>
+                        <p:par>
+                          <p:cTn id="49" fill="hold">
+                            <p:stCondLst>
+                              <p:cond delay="0"/>
+                            </p:stCondLst>
+                            <p:childTnLst>
+                              <p:par>
+                                <p:cTn id="50" presetID="1" presetClass="entr" presetSubtype="0" fill="hold" grpId="0" nodeType="clickEffect">
+                                  <p:stCondLst>
+                                    <p:cond delay="0"/>
+                                  </p:stCondLst>
+                                  <p:childTnLst>
+                                    <p:set>
+                                      <p:cBhvr>
+                                        <p:cTn id="51" dur="1" fill="hold">
+                                          <p:stCondLst>
+                                            <p:cond delay="0"/>
+                                          </p:stCondLst>
+                                        </p:cTn>
+                                        <p:tgtEl>
+                                          <p:spTgt spid="81"/>
+                                        </p:tgtEl>
+                                        <p:attrNameLst>
+                                          <p:attrName>style.visibility</p:attrName>
+                                        </p:attrNameLst>
+                                      </p:cBhvr>
+                                      <p:to>
+                                        <p:strVal val="visible"/>
+                                      </p:to>
+                                    </p:set>
                                   </p:childTnLst>
                                 </p:cTn>
                               </p:par>
@@ -22557,7 +20749,10 @@
       </p:par>
     </p:tnLst>
     <p:bldLst>
-      <p:bldP spid="66" grpId="0"/>
+      <p:bldP spid="80" grpId="0" animBg="1"/>
+      <p:bldP spid="64" grpId="0"/>
+      <p:bldP spid="79" grpId="0"/>
+      <p:bldP spid="81" grpId="0" animBg="1"/>
     </p:bldLst>
   </p:timing>
 </p:sld>
